--- a/ERD.pptx
+++ b/ERD.pptx
@@ -11,7 +11,8 @@
     <p:sldId id="257" r:id="rId5"/>
     <p:sldId id="258" r:id="rId6"/>
     <p:sldId id="260" r:id="rId7"/>
-    <p:sldId id="262" r:id="rId8"/>
+    <p:sldId id="266" r:id="rId8"/>
+    <p:sldId id="262" r:id="rId9"/>
   </p:sldIdLst>
   <p:sldSz cx="12192000" cy="6858000"/>
   <p:notesSz cx="6858000" cy="9144000"/>
@@ -3378,7 +3379,7 @@
                   <a:schemeClr val="tx1"/>
                 </a:solidFill>
               </a:rPr>
-              <a:t>Register User</a:t>
+              <a:t>User</a:t>
             </a:r>
           </a:p>
         </p:txBody>
@@ -4366,7 +4367,7 @@
                   <a:schemeClr val="tx1"/>
                 </a:solidFill>
               </a:rPr>
-              <a:t>User</a:t>
+              <a:t>Guest</a:t>
             </a:r>
           </a:p>
         </p:txBody>
@@ -8183,7 +8184,7 @@
                   <a:schemeClr val="tx1"/>
                 </a:solidFill>
               </a:rPr>
-              <a:t>user</a:t>
+              <a:t>Guest/user</a:t>
             </a:r>
           </a:p>
         </p:txBody>
@@ -8646,7 +8647,7 @@
         </p:nvSpPr>
         <p:spPr>
           <a:xfrm>
-            <a:off x="6581773" y="5205412"/>
+            <a:off x="3333748" y="3348037"/>
             <a:ext cx="1257300" cy="657225"/>
           </a:xfrm>
           <a:prstGeom prst="rect">
@@ -8683,7 +8684,7 @@
                   <a:schemeClr val="tx1"/>
                 </a:solidFill>
               </a:rPr>
-              <a:t>user</a:t>
+              <a:t>User/guest</a:t>
             </a:r>
           </a:p>
         </p:txBody>
@@ -8702,7 +8703,7 @@
         </p:nvSpPr>
         <p:spPr>
           <a:xfrm>
-            <a:off x="10334623" y="5205412"/>
+            <a:off x="7086598" y="3348037"/>
             <a:ext cx="1257300" cy="657225"/>
           </a:xfrm>
           <a:prstGeom prst="rect">
@@ -8758,7 +8759,7 @@
         </p:nvSpPr>
         <p:spPr>
           <a:xfrm>
-            <a:off x="8000998" y="5205411"/>
+            <a:off x="4752973" y="3348036"/>
             <a:ext cx="2171700" cy="804849"/>
           </a:xfrm>
           <a:prstGeom prst="diamond">
@@ -8815,7 +8816,7 @@
         </p:nvCxnSpPr>
         <p:spPr>
           <a:xfrm flipH="1" flipV="1">
-            <a:off x="7839074" y="5491164"/>
+            <a:off x="4591049" y="3633789"/>
             <a:ext cx="161924" cy="116672"/>
           </a:xfrm>
           <a:prstGeom prst="straightConnector1">
@@ -8857,508 +8858,8 @@
         </p:nvCxnSpPr>
         <p:spPr>
           <a:xfrm flipV="1">
-            <a:off x="10172698" y="5491162"/>
+            <a:off x="6924673" y="3633787"/>
             <a:ext cx="161924" cy="116674"/>
-          </a:xfrm>
-          <a:prstGeom prst="straightConnector1">
-            <a:avLst/>
-          </a:prstGeom>
-          <a:ln>
-            <a:tailEnd type="triangle"/>
-          </a:ln>
-        </p:spPr>
-        <p:style>
-          <a:lnRef idx="1">
-            <a:schemeClr val="dk1"/>
-          </a:lnRef>
-          <a:fillRef idx="0">
-            <a:schemeClr val="dk1"/>
-          </a:fillRef>
-          <a:effectRef idx="0">
-            <a:schemeClr val="dk1"/>
-          </a:effectRef>
-          <a:fontRef idx="minor">
-            <a:schemeClr val="tx1"/>
-          </a:fontRef>
-        </p:style>
-      </p:cxnSp>
-      <p:sp>
-        <p:nvSpPr>
-          <p:cNvPr id="93" name="Rectangle 92">
-            <a:extLst>
-              <a:ext uri="{FF2B5EF4-FFF2-40B4-BE49-F238E27FC236}">
-                <a16:creationId xmlns:a16="http://schemas.microsoft.com/office/drawing/2014/main" id="{932FC7F7-D2B5-4832-B5CD-4D64566AD80F}"/>
-              </a:ext>
-            </a:extLst>
-          </p:cNvPr>
-          <p:cNvSpPr/>
-          <p:nvPr/>
-        </p:nvSpPr>
-        <p:spPr>
-          <a:xfrm>
-            <a:off x="819148" y="5353035"/>
-            <a:ext cx="1257300" cy="657225"/>
-          </a:xfrm>
-          <a:prstGeom prst="rect">
-            <a:avLst/>
-          </a:prstGeom>
-          <a:solidFill>
-            <a:schemeClr val="bg1"/>
-          </a:solidFill>
-        </p:spPr>
-        <p:style>
-          <a:lnRef idx="2">
-            <a:schemeClr val="accent1">
-              <a:shade val="50000"/>
-            </a:schemeClr>
-          </a:lnRef>
-          <a:fillRef idx="1">
-            <a:schemeClr val="accent1"/>
-          </a:fillRef>
-          <a:effectRef idx="0">
-            <a:schemeClr val="accent1"/>
-          </a:effectRef>
-          <a:fontRef idx="minor">
-            <a:schemeClr val="lt1"/>
-          </a:fontRef>
-        </p:style>
-        <p:txBody>
-          <a:bodyPr rtlCol="0" anchor="ctr"/>
-          <a:lstStyle/>
-          <a:p>
-            <a:pPr algn="ctr"/>
-            <a:r>
-              <a:rPr lang="en-US" dirty="0">
-                <a:solidFill>
-                  <a:schemeClr val="tx1"/>
-                </a:solidFill>
-              </a:rPr>
-              <a:t>user</a:t>
-            </a:r>
-          </a:p>
-        </p:txBody>
-      </p:sp>
-      <p:sp>
-        <p:nvSpPr>
-          <p:cNvPr id="102" name="Rectangle 101">
-            <a:extLst>
-              <a:ext uri="{FF2B5EF4-FFF2-40B4-BE49-F238E27FC236}">
-                <a16:creationId xmlns:a16="http://schemas.microsoft.com/office/drawing/2014/main" id="{9C34B071-44CB-4768-BE9A-1A75F04DDC13}"/>
-              </a:ext>
-            </a:extLst>
-          </p:cNvPr>
-          <p:cNvSpPr/>
-          <p:nvPr/>
-        </p:nvSpPr>
-        <p:spPr>
-          <a:xfrm>
-            <a:off x="4571998" y="5353035"/>
-            <a:ext cx="1257300" cy="657225"/>
-          </a:xfrm>
-          <a:prstGeom prst="rect">
-            <a:avLst/>
-          </a:prstGeom>
-          <a:solidFill>
-            <a:schemeClr val="bg1"/>
-          </a:solidFill>
-        </p:spPr>
-        <p:style>
-          <a:lnRef idx="2">
-            <a:schemeClr val="accent1">
-              <a:shade val="50000"/>
-            </a:schemeClr>
-          </a:lnRef>
-          <a:fillRef idx="1">
-            <a:schemeClr val="accent1"/>
-          </a:fillRef>
-          <a:effectRef idx="0">
-            <a:schemeClr val="accent1"/>
-          </a:effectRef>
-          <a:fontRef idx="minor">
-            <a:schemeClr val="lt1"/>
-          </a:fontRef>
-        </p:style>
-        <p:txBody>
-          <a:bodyPr rtlCol="0" anchor="ctr"/>
-          <a:lstStyle/>
-          <a:p>
-            <a:pPr algn="ctr"/>
-            <a:r>
-              <a:rPr lang="en-US" dirty="0">
-                <a:solidFill>
-                  <a:schemeClr val="tx1"/>
-                </a:solidFill>
-              </a:rPr>
-              <a:t>E-book</a:t>
-            </a:r>
-          </a:p>
-        </p:txBody>
-      </p:sp>
-      <p:sp>
-        <p:nvSpPr>
-          <p:cNvPr id="104" name="Diamond 103">
-            <a:extLst>
-              <a:ext uri="{FF2B5EF4-FFF2-40B4-BE49-F238E27FC236}">
-                <a16:creationId xmlns:a16="http://schemas.microsoft.com/office/drawing/2014/main" id="{2D7874A7-241B-4A2A-B1EB-BAA096D746D1}"/>
-              </a:ext>
-            </a:extLst>
-          </p:cNvPr>
-          <p:cNvSpPr/>
-          <p:nvPr/>
-        </p:nvSpPr>
-        <p:spPr>
-          <a:xfrm>
-            <a:off x="2238373" y="5353035"/>
-            <a:ext cx="2171700" cy="571500"/>
-          </a:xfrm>
-          <a:prstGeom prst="diamond">
-            <a:avLst/>
-          </a:prstGeom>
-          <a:noFill/>
-        </p:spPr>
-        <p:style>
-          <a:lnRef idx="2">
-            <a:schemeClr val="accent1">
-              <a:shade val="50000"/>
-            </a:schemeClr>
-          </a:lnRef>
-          <a:fillRef idx="1">
-            <a:schemeClr val="accent1"/>
-          </a:fillRef>
-          <a:effectRef idx="0">
-            <a:schemeClr val="accent1"/>
-          </a:effectRef>
-          <a:fontRef idx="minor">
-            <a:schemeClr val="lt1"/>
-          </a:fontRef>
-        </p:style>
-        <p:txBody>
-          <a:bodyPr rtlCol="0" anchor="ctr"/>
-          <a:lstStyle/>
-          <a:p>
-            <a:pPr algn="ctr"/>
-            <a:r>
-              <a:rPr lang="en-US" dirty="0">
-                <a:solidFill>
-                  <a:schemeClr val="tx1"/>
-                </a:solidFill>
-              </a:rPr>
-              <a:t>Purchase</a:t>
-            </a:r>
-          </a:p>
-        </p:txBody>
-      </p:sp>
-      <p:cxnSp>
-        <p:nvCxnSpPr>
-          <p:cNvPr id="106" name="Straight Arrow Connector 105">
-            <a:extLst>
-              <a:ext uri="{FF2B5EF4-FFF2-40B4-BE49-F238E27FC236}">
-                <a16:creationId xmlns:a16="http://schemas.microsoft.com/office/drawing/2014/main" id="{B726F643-843C-4671-AF18-89DCB1A0F490}"/>
-              </a:ext>
-            </a:extLst>
-          </p:cNvPr>
-          <p:cNvCxnSpPr>
-            <a:cxnSpLocks/>
-            <a:stCxn id="104" idx="1"/>
-          </p:cNvCxnSpPr>
-          <p:nvPr/>
-        </p:nvCxnSpPr>
-        <p:spPr>
-          <a:xfrm flipH="1">
-            <a:off x="2076449" y="5638785"/>
-            <a:ext cx="161924" cy="1"/>
-          </a:xfrm>
-          <a:prstGeom prst="straightConnector1">
-            <a:avLst/>
-          </a:prstGeom>
-          <a:ln>
-            <a:tailEnd type="triangle"/>
-          </a:ln>
-        </p:spPr>
-        <p:style>
-          <a:lnRef idx="1">
-            <a:schemeClr val="dk1"/>
-          </a:lnRef>
-          <a:fillRef idx="0">
-            <a:schemeClr val="dk1"/>
-          </a:fillRef>
-          <a:effectRef idx="0">
-            <a:schemeClr val="dk1"/>
-          </a:effectRef>
-          <a:fontRef idx="minor">
-            <a:schemeClr val="tx1"/>
-          </a:fontRef>
-        </p:style>
-      </p:cxnSp>
-      <p:cxnSp>
-        <p:nvCxnSpPr>
-          <p:cNvPr id="107" name="Straight Arrow Connector 106">
-            <a:extLst>
-              <a:ext uri="{FF2B5EF4-FFF2-40B4-BE49-F238E27FC236}">
-                <a16:creationId xmlns:a16="http://schemas.microsoft.com/office/drawing/2014/main" id="{2158AF77-E8CE-4AAE-9325-BAAA461F9DBB}"/>
-              </a:ext>
-            </a:extLst>
-          </p:cNvPr>
-          <p:cNvCxnSpPr>
-            <a:cxnSpLocks/>
-            <a:stCxn id="104" idx="3"/>
-          </p:cNvCxnSpPr>
-          <p:nvPr/>
-        </p:nvCxnSpPr>
-        <p:spPr>
-          <a:xfrm>
-            <a:off x="4410073" y="5638785"/>
-            <a:ext cx="161924" cy="0"/>
-          </a:xfrm>
-          <a:prstGeom prst="straightConnector1">
-            <a:avLst/>
-          </a:prstGeom>
-          <a:ln>
-            <a:tailEnd type="triangle"/>
-          </a:ln>
-        </p:spPr>
-        <p:style>
-          <a:lnRef idx="1">
-            <a:schemeClr val="dk1"/>
-          </a:lnRef>
-          <a:fillRef idx="0">
-            <a:schemeClr val="dk1"/>
-          </a:fillRef>
-          <a:effectRef idx="0">
-            <a:schemeClr val="dk1"/>
-          </a:effectRef>
-          <a:fontRef idx="minor">
-            <a:schemeClr val="tx1"/>
-          </a:fontRef>
-        </p:style>
-      </p:cxnSp>
-      <p:sp>
-        <p:nvSpPr>
-          <p:cNvPr id="108" name="Rectangle 107">
-            <a:extLst>
-              <a:ext uri="{FF2B5EF4-FFF2-40B4-BE49-F238E27FC236}">
-                <a16:creationId xmlns:a16="http://schemas.microsoft.com/office/drawing/2014/main" id="{212363B9-1DAE-4ACC-8660-B3BE974F4AB3}"/>
-              </a:ext>
-            </a:extLst>
-          </p:cNvPr>
-          <p:cNvSpPr/>
-          <p:nvPr/>
-        </p:nvSpPr>
-        <p:spPr>
-          <a:xfrm>
-            <a:off x="3295649" y="3138479"/>
-            <a:ext cx="1257300" cy="657225"/>
-          </a:xfrm>
-          <a:prstGeom prst="rect">
-            <a:avLst/>
-          </a:prstGeom>
-          <a:solidFill>
-            <a:schemeClr val="bg1"/>
-          </a:solidFill>
-        </p:spPr>
-        <p:style>
-          <a:lnRef idx="2">
-            <a:schemeClr val="accent1">
-              <a:shade val="50000"/>
-            </a:schemeClr>
-          </a:lnRef>
-          <a:fillRef idx="1">
-            <a:schemeClr val="accent1"/>
-          </a:fillRef>
-          <a:effectRef idx="0">
-            <a:schemeClr val="accent1"/>
-          </a:effectRef>
-          <a:fontRef idx="minor">
-            <a:schemeClr val="lt1"/>
-          </a:fontRef>
-        </p:style>
-        <p:txBody>
-          <a:bodyPr rtlCol="0" anchor="ctr"/>
-          <a:lstStyle/>
-          <a:p>
-            <a:pPr algn="ctr"/>
-            <a:r>
-              <a:rPr lang="en-US" dirty="0">
-                <a:solidFill>
-                  <a:schemeClr val="tx1"/>
-                </a:solidFill>
-              </a:rPr>
-              <a:t>user</a:t>
-            </a:r>
-          </a:p>
-        </p:txBody>
-      </p:sp>
-      <p:sp>
-        <p:nvSpPr>
-          <p:cNvPr id="109" name="Rectangle 108">
-            <a:extLst>
-              <a:ext uri="{FF2B5EF4-FFF2-40B4-BE49-F238E27FC236}">
-                <a16:creationId xmlns:a16="http://schemas.microsoft.com/office/drawing/2014/main" id="{309D4B3D-D46C-42FF-ACD4-56668A30FD7A}"/>
-              </a:ext>
-            </a:extLst>
-          </p:cNvPr>
-          <p:cNvSpPr/>
-          <p:nvPr/>
-        </p:nvSpPr>
-        <p:spPr>
-          <a:xfrm>
-            <a:off x="7048499" y="3138479"/>
-            <a:ext cx="1257300" cy="657225"/>
-          </a:xfrm>
-          <a:prstGeom prst="rect">
-            <a:avLst/>
-          </a:prstGeom>
-          <a:solidFill>
-            <a:schemeClr val="bg1"/>
-          </a:solidFill>
-        </p:spPr>
-        <p:style>
-          <a:lnRef idx="2">
-            <a:schemeClr val="accent1">
-              <a:shade val="50000"/>
-            </a:schemeClr>
-          </a:lnRef>
-          <a:fillRef idx="1">
-            <a:schemeClr val="accent1"/>
-          </a:fillRef>
-          <a:effectRef idx="0">
-            <a:schemeClr val="accent1"/>
-          </a:effectRef>
-          <a:fontRef idx="minor">
-            <a:schemeClr val="lt1"/>
-          </a:fontRef>
-        </p:style>
-        <p:txBody>
-          <a:bodyPr rtlCol="0" anchor="ctr"/>
-          <a:lstStyle/>
-          <a:p>
-            <a:pPr algn="ctr"/>
-            <a:r>
-              <a:rPr lang="en-US" dirty="0">
-                <a:solidFill>
-                  <a:schemeClr val="tx1"/>
-                </a:solidFill>
-              </a:rPr>
-              <a:t>admin</a:t>
-            </a:r>
-          </a:p>
-        </p:txBody>
-      </p:sp>
-      <p:sp>
-        <p:nvSpPr>
-          <p:cNvPr id="110" name="Diamond 109">
-            <a:extLst>
-              <a:ext uri="{FF2B5EF4-FFF2-40B4-BE49-F238E27FC236}">
-                <a16:creationId xmlns:a16="http://schemas.microsoft.com/office/drawing/2014/main" id="{B9252988-3410-4C80-849C-1FABC2872860}"/>
-              </a:ext>
-            </a:extLst>
-          </p:cNvPr>
-          <p:cNvSpPr/>
-          <p:nvPr/>
-        </p:nvSpPr>
-        <p:spPr>
-          <a:xfrm>
-            <a:off x="4714874" y="3138479"/>
-            <a:ext cx="2171700" cy="571500"/>
-          </a:xfrm>
-          <a:prstGeom prst="diamond">
-            <a:avLst/>
-          </a:prstGeom>
-          <a:noFill/>
-        </p:spPr>
-        <p:style>
-          <a:lnRef idx="2">
-            <a:schemeClr val="accent1">
-              <a:shade val="50000"/>
-            </a:schemeClr>
-          </a:lnRef>
-          <a:fillRef idx="1">
-            <a:schemeClr val="accent1"/>
-          </a:fillRef>
-          <a:effectRef idx="0">
-            <a:schemeClr val="accent1"/>
-          </a:effectRef>
-          <a:fontRef idx="minor">
-            <a:schemeClr val="lt1"/>
-          </a:fontRef>
-        </p:style>
-        <p:txBody>
-          <a:bodyPr rtlCol="0" anchor="ctr"/>
-          <a:lstStyle/>
-          <a:p>
-            <a:pPr algn="ctr"/>
-            <a:r>
-              <a:rPr lang="en-US" dirty="0">
-                <a:solidFill>
-                  <a:schemeClr val="tx1"/>
-                </a:solidFill>
-              </a:rPr>
-              <a:t>delete</a:t>
-            </a:r>
-          </a:p>
-        </p:txBody>
-      </p:sp>
-      <p:cxnSp>
-        <p:nvCxnSpPr>
-          <p:cNvPr id="111" name="Straight Arrow Connector 110">
-            <a:extLst>
-              <a:ext uri="{FF2B5EF4-FFF2-40B4-BE49-F238E27FC236}">
-                <a16:creationId xmlns:a16="http://schemas.microsoft.com/office/drawing/2014/main" id="{7D3C1EE7-2B6F-4AAF-BA45-E8EC5BD3C0E0}"/>
-              </a:ext>
-            </a:extLst>
-          </p:cNvPr>
-          <p:cNvCxnSpPr>
-            <a:cxnSpLocks/>
-            <a:stCxn id="110" idx="1"/>
-          </p:cNvCxnSpPr>
-          <p:nvPr/>
-        </p:nvCxnSpPr>
-        <p:spPr>
-          <a:xfrm flipH="1">
-            <a:off x="4552950" y="3424229"/>
-            <a:ext cx="161924" cy="1"/>
-          </a:xfrm>
-          <a:prstGeom prst="straightConnector1">
-            <a:avLst/>
-          </a:prstGeom>
-          <a:ln>
-            <a:tailEnd type="triangle"/>
-          </a:ln>
-        </p:spPr>
-        <p:style>
-          <a:lnRef idx="1">
-            <a:schemeClr val="dk1"/>
-          </a:lnRef>
-          <a:fillRef idx="0">
-            <a:schemeClr val="dk1"/>
-          </a:fillRef>
-          <a:effectRef idx="0">
-            <a:schemeClr val="dk1"/>
-          </a:effectRef>
-          <a:fontRef idx="minor">
-            <a:schemeClr val="tx1"/>
-          </a:fontRef>
-        </p:style>
-      </p:cxnSp>
-      <p:cxnSp>
-        <p:nvCxnSpPr>
-          <p:cNvPr id="112" name="Straight Arrow Connector 111">
-            <a:extLst>
-              <a:ext uri="{FF2B5EF4-FFF2-40B4-BE49-F238E27FC236}">
-                <a16:creationId xmlns:a16="http://schemas.microsoft.com/office/drawing/2014/main" id="{A9D7EB76-96CC-4AA0-B5B1-D220D19C9BC4}"/>
-              </a:ext>
-            </a:extLst>
-          </p:cNvPr>
-          <p:cNvCxnSpPr>
-            <a:cxnSpLocks/>
-            <a:stCxn id="110" idx="3"/>
-          </p:cNvCxnSpPr>
-          <p:nvPr/>
-        </p:nvCxnSpPr>
-        <p:spPr>
-          <a:xfrm>
-            <a:off x="6886574" y="3424229"/>
-            <a:ext cx="161924" cy="0"/>
           </a:xfrm>
           <a:prstGeom prst="straightConnector1">
             <a:avLst/>
@@ -9414,10 +8915,10 @@
       </p:grpSpPr>
       <p:sp>
         <p:nvSpPr>
-          <p:cNvPr id="71" name="Diamond 70">
-            <a:extLst>
-              <a:ext uri="{FF2B5EF4-FFF2-40B4-BE49-F238E27FC236}">
-                <a16:creationId xmlns:a16="http://schemas.microsoft.com/office/drawing/2014/main" id="{B99BB26C-22F1-46B2-9246-04DC4D96F096}"/>
+          <p:cNvPr id="84" name="Diamond 83">
+            <a:extLst>
+              <a:ext uri="{FF2B5EF4-FFF2-40B4-BE49-F238E27FC236}">
+                <a16:creationId xmlns:a16="http://schemas.microsoft.com/office/drawing/2014/main" id="{A6BBF382-616A-4B5A-AF08-CD7AB6608ED7}"/>
               </a:ext>
             </a:extLst>
           </p:cNvPr>
@@ -9426,8 +8927,8 @@
         </p:nvSpPr>
         <p:spPr>
           <a:xfrm>
-            <a:off x="515602" y="3178611"/>
-            <a:ext cx="2171700" cy="769288"/>
+            <a:off x="7004376" y="1122138"/>
+            <a:ext cx="2167699" cy="571500"/>
           </a:xfrm>
           <a:prstGeom prst="diamond">
             <a:avLst/>
@@ -9461,29 +8962,31 @@
                   <a:schemeClr val="tx1"/>
                 </a:solidFill>
               </a:rPr>
-              <a:t>Read’s</a:t>
+              <a:t>login</a:t>
             </a:r>
           </a:p>
         </p:txBody>
       </p:sp>
       <p:cxnSp>
         <p:nvCxnSpPr>
-          <p:cNvPr id="72" name="Straight Arrow Connector 71">
-            <a:extLst>
-              <a:ext uri="{FF2B5EF4-FFF2-40B4-BE49-F238E27FC236}">
-                <a16:creationId xmlns:a16="http://schemas.microsoft.com/office/drawing/2014/main" id="{E534BBA3-DF9C-4EFF-8F50-D9519D0D1647}"/>
+          <p:cNvPr id="86" name="Straight Arrow Connector 85">
+            <a:extLst>
+              <a:ext uri="{FF2B5EF4-FFF2-40B4-BE49-F238E27FC236}">
+                <a16:creationId xmlns:a16="http://schemas.microsoft.com/office/drawing/2014/main" id="{4F51BDBB-A8D5-41D3-BD4F-C548546E4C95}"/>
               </a:ext>
             </a:extLst>
           </p:cNvPr>
           <p:cNvCxnSpPr>
             <a:cxnSpLocks/>
+            <a:stCxn id="99" idx="3"/>
+            <a:endCxn id="84" idx="1"/>
           </p:cNvCxnSpPr>
           <p:nvPr/>
         </p:nvCxnSpPr>
         <p:spPr>
           <a:xfrm>
-            <a:off x="1601452" y="1981201"/>
-            <a:ext cx="0" cy="1151167"/>
+            <a:off x="6095996" y="1386607"/>
+            <a:ext cx="908380" cy="21281"/>
           </a:xfrm>
           <a:prstGeom prst="straightConnector1">
             <a:avLst/>
@@ -9509,10 +9012,10 @@
       </p:cxnSp>
       <p:sp>
         <p:nvSpPr>
-          <p:cNvPr id="84" name="Diamond 83">
-            <a:extLst>
-              <a:ext uri="{FF2B5EF4-FFF2-40B4-BE49-F238E27FC236}">
-                <a16:creationId xmlns:a16="http://schemas.microsoft.com/office/drawing/2014/main" id="{A6BBF382-616A-4B5A-AF08-CD7AB6608ED7}"/>
+          <p:cNvPr id="93" name="Rectangle 92">
+            <a:extLst>
+              <a:ext uri="{FF2B5EF4-FFF2-40B4-BE49-F238E27FC236}">
+                <a16:creationId xmlns:a16="http://schemas.microsoft.com/office/drawing/2014/main" id="{932FC7F7-D2B5-4832-B5CD-4D64566AD80F}"/>
               </a:ext>
             </a:extLst>
           </p:cNvPr>
@@ -9521,13 +9024,15 @@
         </p:nvSpPr>
         <p:spPr>
           <a:xfrm>
-            <a:off x="6442901" y="401490"/>
-            <a:ext cx="2171700" cy="571500"/>
-          </a:xfrm>
-          <a:prstGeom prst="diamond">
-            <a:avLst/>
-          </a:prstGeom>
-          <a:noFill/>
+            <a:off x="776286" y="1014411"/>
+            <a:ext cx="1206166" cy="535903"/>
+          </a:xfrm>
+          <a:prstGeom prst="rect">
+            <a:avLst/>
+          </a:prstGeom>
+          <a:solidFill>
+            <a:schemeClr val="bg1"/>
+          </a:solidFill>
         </p:spPr>
         <p:style>
           <a:lnRef idx="2">
@@ -9556,30 +9061,140 @@
                   <a:schemeClr val="tx1"/>
                 </a:solidFill>
               </a:rPr>
-              <a:t>Review</a:t>
+              <a:t>guest</a:t>
+            </a:r>
+          </a:p>
+        </p:txBody>
+      </p:sp>
+      <p:sp>
+        <p:nvSpPr>
+          <p:cNvPr id="102" name="Rectangle 101">
+            <a:extLst>
+              <a:ext uri="{FF2B5EF4-FFF2-40B4-BE49-F238E27FC236}">
+                <a16:creationId xmlns:a16="http://schemas.microsoft.com/office/drawing/2014/main" id="{9C34B071-44CB-4768-BE9A-1A75F04DDC13}"/>
+              </a:ext>
+            </a:extLst>
+          </p:cNvPr>
+          <p:cNvSpPr/>
+          <p:nvPr/>
+        </p:nvSpPr>
+        <p:spPr>
+          <a:xfrm>
+            <a:off x="4529136" y="1014411"/>
+            <a:ext cx="1206166" cy="535903"/>
+          </a:xfrm>
+          <a:prstGeom prst="rect">
+            <a:avLst/>
+          </a:prstGeom>
+          <a:solidFill>
+            <a:schemeClr val="bg1"/>
+          </a:solidFill>
+        </p:spPr>
+        <p:style>
+          <a:lnRef idx="2">
+            <a:schemeClr val="accent1">
+              <a:shade val="50000"/>
+            </a:schemeClr>
+          </a:lnRef>
+          <a:fillRef idx="1">
+            <a:schemeClr val="accent1"/>
+          </a:fillRef>
+          <a:effectRef idx="0">
+            <a:schemeClr val="accent1"/>
+          </a:effectRef>
+          <a:fontRef idx="minor">
+            <a:schemeClr val="lt1"/>
+          </a:fontRef>
+        </p:style>
+        <p:txBody>
+          <a:bodyPr rtlCol="0" anchor="ctr"/>
+          <a:lstStyle/>
+          <a:p>
+            <a:pPr algn="ctr"/>
+            <a:r>
+              <a:rPr lang="en-US" dirty="0">
+                <a:solidFill>
+                  <a:schemeClr val="tx1"/>
+                </a:solidFill>
+              </a:rPr>
+              <a:t>company</a:t>
+            </a:r>
+          </a:p>
+        </p:txBody>
+      </p:sp>
+      <p:sp>
+        <p:nvSpPr>
+          <p:cNvPr id="104" name="Diamond 103">
+            <a:extLst>
+              <a:ext uri="{FF2B5EF4-FFF2-40B4-BE49-F238E27FC236}">
+                <a16:creationId xmlns:a16="http://schemas.microsoft.com/office/drawing/2014/main" id="{2D7874A7-241B-4A2A-B1EB-BAA096D746D1}"/>
+              </a:ext>
+            </a:extLst>
+          </p:cNvPr>
+          <p:cNvSpPr/>
+          <p:nvPr/>
+        </p:nvSpPr>
+        <p:spPr>
+          <a:xfrm>
+            <a:off x="2195511" y="1014411"/>
+            <a:ext cx="2083378" cy="466003"/>
+          </a:xfrm>
+          <a:prstGeom prst="diamond">
+            <a:avLst/>
+          </a:prstGeom>
+          <a:noFill/>
+        </p:spPr>
+        <p:style>
+          <a:lnRef idx="2">
+            <a:schemeClr val="accent1">
+              <a:shade val="50000"/>
+            </a:schemeClr>
+          </a:lnRef>
+          <a:fillRef idx="1">
+            <a:schemeClr val="accent1"/>
+          </a:fillRef>
+          <a:effectRef idx="0">
+            <a:schemeClr val="accent1"/>
+          </a:effectRef>
+          <a:fontRef idx="minor">
+            <a:schemeClr val="lt1"/>
+          </a:fontRef>
+        </p:style>
+        <p:txBody>
+          <a:bodyPr rtlCol="0" anchor="ctr"/>
+          <a:lstStyle/>
+          <a:p>
+            <a:pPr algn="ctr"/>
+            <a:r>
+              <a:rPr lang="en-US" dirty="0">
+                <a:solidFill>
+                  <a:schemeClr val="tx1"/>
+                </a:solidFill>
+              </a:rPr>
+              <a:t>register</a:t>
             </a:r>
           </a:p>
         </p:txBody>
       </p:sp>
       <p:cxnSp>
         <p:nvCxnSpPr>
-          <p:cNvPr id="86" name="Straight Arrow Connector 85">
-            <a:extLst>
-              <a:ext uri="{FF2B5EF4-FFF2-40B4-BE49-F238E27FC236}">
-                <a16:creationId xmlns:a16="http://schemas.microsoft.com/office/drawing/2014/main" id="{4F51BDBB-A8D5-41D3-BD4F-C548546E4C95}"/>
+          <p:cNvPr id="106" name="Straight Arrow Connector 105">
+            <a:extLst>
+              <a:ext uri="{FF2B5EF4-FFF2-40B4-BE49-F238E27FC236}">
+                <a16:creationId xmlns:a16="http://schemas.microsoft.com/office/drawing/2014/main" id="{B726F643-843C-4671-AF18-89DCB1A0F490}"/>
               </a:ext>
             </a:extLst>
           </p:cNvPr>
           <p:cNvCxnSpPr>
             <a:cxnSpLocks/>
-            <a:endCxn id="84" idx="1"/>
+            <a:stCxn id="104" idx="1"/>
           </p:cNvCxnSpPr>
           <p:nvPr/>
         </p:nvCxnSpPr>
         <p:spPr>
-          <a:xfrm>
-            <a:off x="6096000" y="687240"/>
-            <a:ext cx="346901" cy="0"/>
+          <a:xfrm flipH="1">
+            <a:off x="2033587" y="1247413"/>
+            <a:ext cx="161924" cy="52749"/>
           </a:xfrm>
           <a:prstGeom prst="straightConnector1">
             <a:avLst/>
@@ -9603,12 +9218,97 @@
           </a:fontRef>
         </p:style>
       </p:cxnSp>
-      <p:sp>
-        <p:nvSpPr>
-          <p:cNvPr id="88" name="Rectangle 87">
-            <a:extLst>
-              <a:ext uri="{FF2B5EF4-FFF2-40B4-BE49-F238E27FC236}">
-                <a16:creationId xmlns:a16="http://schemas.microsoft.com/office/drawing/2014/main" id="{C67B9E49-B7DF-4929-BD1B-498B5CF7091D}"/>
+      <p:cxnSp>
+        <p:nvCxnSpPr>
+          <p:cNvPr id="107" name="Straight Arrow Connector 106">
+            <a:extLst>
+              <a:ext uri="{FF2B5EF4-FFF2-40B4-BE49-F238E27FC236}">
+                <a16:creationId xmlns:a16="http://schemas.microsoft.com/office/drawing/2014/main" id="{2158AF77-E8CE-4AAE-9325-BAAA461F9DBB}"/>
+              </a:ext>
+            </a:extLst>
+          </p:cNvPr>
+          <p:cNvCxnSpPr>
+            <a:cxnSpLocks/>
+            <a:stCxn id="104" idx="3"/>
+          </p:cNvCxnSpPr>
+          <p:nvPr/>
+        </p:nvCxnSpPr>
+        <p:spPr>
+          <a:xfrm>
+            <a:off x="4278889" y="1247413"/>
+            <a:ext cx="250246" cy="52748"/>
+          </a:xfrm>
+          <a:prstGeom prst="straightConnector1">
+            <a:avLst/>
+          </a:prstGeom>
+          <a:ln>
+            <a:tailEnd type="triangle"/>
+          </a:ln>
+        </p:spPr>
+        <p:style>
+          <a:lnRef idx="1">
+            <a:schemeClr val="dk1"/>
+          </a:lnRef>
+          <a:fillRef idx="0">
+            <a:schemeClr val="dk1"/>
+          </a:fillRef>
+          <a:effectRef idx="0">
+            <a:schemeClr val="dk1"/>
+          </a:effectRef>
+          <a:fontRef idx="minor">
+            <a:schemeClr val="tx1"/>
+          </a:fontRef>
+        </p:style>
+      </p:cxnSp>
+      <p:cxnSp>
+        <p:nvCxnSpPr>
+          <p:cNvPr id="41" name="Straight Arrow Connector 40">
+            <a:extLst>
+              <a:ext uri="{FF2B5EF4-FFF2-40B4-BE49-F238E27FC236}">
+                <a16:creationId xmlns:a16="http://schemas.microsoft.com/office/drawing/2014/main" id="{DB408C9A-B91B-4731-AE3C-EC180450F3E7}"/>
+              </a:ext>
+            </a:extLst>
+          </p:cNvPr>
+          <p:cNvCxnSpPr>
+            <a:cxnSpLocks/>
+            <a:stCxn id="52" idx="1"/>
+            <a:endCxn id="84" idx="3"/>
+          </p:cNvCxnSpPr>
+          <p:nvPr/>
+        </p:nvCxnSpPr>
+        <p:spPr>
+          <a:xfrm flipH="1">
+            <a:off x="9172075" y="1343024"/>
+            <a:ext cx="824414" cy="64864"/>
+          </a:xfrm>
+          <a:prstGeom prst="straightConnector1">
+            <a:avLst/>
+          </a:prstGeom>
+          <a:ln>
+            <a:tailEnd type="triangle"/>
+          </a:ln>
+        </p:spPr>
+        <p:style>
+          <a:lnRef idx="1">
+            <a:schemeClr val="dk1"/>
+          </a:lnRef>
+          <a:fillRef idx="0">
+            <a:schemeClr val="dk1"/>
+          </a:fillRef>
+          <a:effectRef idx="0">
+            <a:schemeClr val="dk1"/>
+          </a:effectRef>
+          <a:fontRef idx="minor">
+            <a:schemeClr val="tx1"/>
+          </a:fontRef>
+        </p:style>
+      </p:cxnSp>
+      <p:sp>
+        <p:nvSpPr>
+          <p:cNvPr id="52" name="Rectangle 51">
+            <a:extLst>
+              <a:ext uri="{FF2B5EF4-FFF2-40B4-BE49-F238E27FC236}">
+                <a16:creationId xmlns:a16="http://schemas.microsoft.com/office/drawing/2014/main" id="{F3F00AB6-CB45-42CA-A14B-856FD1A0561D}"/>
               </a:ext>
             </a:extLst>
           </p:cNvPr>
@@ -9617,7 +9317,943 @@
         </p:nvSpPr>
         <p:spPr>
           <a:xfrm>
-            <a:off x="3452051" y="5065888"/>
+            <a:off x="9996489" y="1014411"/>
+            <a:ext cx="1257300" cy="657225"/>
+          </a:xfrm>
+          <a:prstGeom prst="rect">
+            <a:avLst/>
+          </a:prstGeom>
+          <a:solidFill>
+            <a:schemeClr val="bg1"/>
+          </a:solidFill>
+        </p:spPr>
+        <p:style>
+          <a:lnRef idx="2">
+            <a:schemeClr val="accent1">
+              <a:shade val="50000"/>
+            </a:schemeClr>
+          </a:lnRef>
+          <a:fillRef idx="1">
+            <a:schemeClr val="accent1"/>
+          </a:fillRef>
+          <a:effectRef idx="0">
+            <a:schemeClr val="accent1"/>
+          </a:effectRef>
+          <a:fontRef idx="minor">
+            <a:schemeClr val="lt1"/>
+          </a:fontRef>
+        </p:style>
+        <p:txBody>
+          <a:bodyPr rtlCol="0" anchor="ctr"/>
+          <a:lstStyle/>
+          <a:p>
+            <a:pPr algn="ctr"/>
+            <a:r>
+              <a:rPr lang="en-US" dirty="0">
+                <a:solidFill>
+                  <a:schemeClr val="tx1"/>
+                </a:solidFill>
+              </a:rPr>
+              <a:t>user</a:t>
+            </a:r>
+          </a:p>
+        </p:txBody>
+      </p:sp>
+      <p:sp>
+        <p:nvSpPr>
+          <p:cNvPr id="99" name="TextBox 98">
+            <a:extLst>
+              <a:ext uri="{FF2B5EF4-FFF2-40B4-BE49-F238E27FC236}">
+                <a16:creationId xmlns:a16="http://schemas.microsoft.com/office/drawing/2014/main" id="{88B1EECB-601E-4B59-A0A9-BC661293DEAA}"/>
+              </a:ext>
+            </a:extLst>
+          </p:cNvPr>
+          <p:cNvSpPr txBox="1"/>
+          <p:nvPr/>
+        </p:nvSpPr>
+        <p:spPr>
+          <a:xfrm>
+            <a:off x="609600" y="687240"/>
+            <a:ext cx="5486396" cy="1398733"/>
+          </a:xfrm>
+          <a:prstGeom prst="rect">
+            <a:avLst/>
+          </a:prstGeom>
+          <a:noFill/>
+          <a:ln>
+            <a:solidFill>
+              <a:schemeClr val="tx1"/>
+            </a:solidFill>
+          </a:ln>
+        </p:spPr>
+        <p:txBody>
+          <a:bodyPr wrap="square" rtlCol="0">
+            <a:spAutoFit/>
+          </a:bodyPr>
+          <a:lstStyle/>
+          <a:p>
+            <a:endParaRPr lang="en-US" dirty="0"/>
+          </a:p>
+        </p:txBody>
+      </p:sp>
+      <p:sp>
+        <p:nvSpPr>
+          <p:cNvPr id="123" name="TextBox 122">
+            <a:extLst>
+              <a:ext uri="{FF2B5EF4-FFF2-40B4-BE49-F238E27FC236}">
+                <a16:creationId xmlns:a16="http://schemas.microsoft.com/office/drawing/2014/main" id="{208690CD-F0BB-4DAC-8744-2B96C8DDA77E}"/>
+              </a:ext>
+            </a:extLst>
+          </p:cNvPr>
+          <p:cNvSpPr txBox="1"/>
+          <p:nvPr/>
+        </p:nvSpPr>
+        <p:spPr>
+          <a:xfrm>
+            <a:off x="95250" y="358638"/>
+            <a:ext cx="11487150" cy="1914525"/>
+          </a:xfrm>
+          <a:prstGeom prst="rect">
+            <a:avLst/>
+          </a:prstGeom>
+          <a:noFill/>
+          <a:ln>
+            <a:solidFill>
+              <a:schemeClr val="tx1"/>
+            </a:solidFill>
+          </a:ln>
+        </p:spPr>
+        <p:txBody>
+          <a:bodyPr wrap="square" rtlCol="0">
+            <a:spAutoFit/>
+          </a:bodyPr>
+          <a:lstStyle/>
+          <a:p>
+            <a:endParaRPr lang="en-US" dirty="0"/>
+          </a:p>
+        </p:txBody>
+      </p:sp>
+      <p:sp>
+        <p:nvSpPr>
+          <p:cNvPr id="124" name="Diamond 123">
+            <a:extLst>
+              <a:ext uri="{FF2B5EF4-FFF2-40B4-BE49-F238E27FC236}">
+                <a16:creationId xmlns:a16="http://schemas.microsoft.com/office/drawing/2014/main" id="{100276F5-B6FB-4B65-8F0D-CD7254B28A1D}"/>
+              </a:ext>
+            </a:extLst>
+          </p:cNvPr>
+          <p:cNvSpPr/>
+          <p:nvPr/>
+        </p:nvSpPr>
+        <p:spPr>
+          <a:xfrm>
+            <a:off x="6019800" y="2782827"/>
+            <a:ext cx="2171700" cy="731806"/>
+          </a:xfrm>
+          <a:prstGeom prst="diamond">
+            <a:avLst/>
+          </a:prstGeom>
+          <a:noFill/>
+        </p:spPr>
+        <p:style>
+          <a:lnRef idx="2">
+            <a:schemeClr val="accent1">
+              <a:shade val="50000"/>
+            </a:schemeClr>
+          </a:lnRef>
+          <a:fillRef idx="1">
+            <a:schemeClr val="accent1"/>
+          </a:fillRef>
+          <a:effectRef idx="0">
+            <a:schemeClr val="accent1"/>
+          </a:effectRef>
+          <a:fontRef idx="minor">
+            <a:schemeClr val="lt1"/>
+          </a:fontRef>
+        </p:style>
+        <p:txBody>
+          <a:bodyPr rtlCol="0" anchor="ctr"/>
+          <a:lstStyle/>
+          <a:p>
+            <a:pPr algn="ctr"/>
+            <a:r>
+              <a:rPr lang="en-US" dirty="0">
+                <a:solidFill>
+                  <a:schemeClr val="tx1"/>
+                </a:solidFill>
+              </a:rPr>
+              <a:t>purchase</a:t>
+            </a:r>
+          </a:p>
+        </p:txBody>
+      </p:sp>
+      <p:sp>
+        <p:nvSpPr>
+          <p:cNvPr id="125" name="Rectangle 124">
+            <a:extLst>
+              <a:ext uri="{FF2B5EF4-FFF2-40B4-BE49-F238E27FC236}">
+                <a16:creationId xmlns:a16="http://schemas.microsoft.com/office/drawing/2014/main" id="{8ABDB202-04C7-4406-8F1F-E9CB9877B1FD}"/>
+              </a:ext>
+            </a:extLst>
+          </p:cNvPr>
+          <p:cNvSpPr/>
+          <p:nvPr/>
+        </p:nvSpPr>
+        <p:spPr>
+          <a:xfrm>
+            <a:off x="3874919" y="2952750"/>
+            <a:ext cx="1257300" cy="657225"/>
+          </a:xfrm>
+          <a:prstGeom prst="rect">
+            <a:avLst/>
+          </a:prstGeom>
+          <a:solidFill>
+            <a:schemeClr val="bg1"/>
+          </a:solidFill>
+        </p:spPr>
+        <p:style>
+          <a:lnRef idx="2">
+            <a:schemeClr val="accent1">
+              <a:shade val="50000"/>
+            </a:schemeClr>
+          </a:lnRef>
+          <a:fillRef idx="1">
+            <a:schemeClr val="accent1"/>
+          </a:fillRef>
+          <a:effectRef idx="0">
+            <a:schemeClr val="accent1"/>
+          </a:effectRef>
+          <a:fontRef idx="minor">
+            <a:schemeClr val="lt1"/>
+          </a:fontRef>
+        </p:style>
+        <p:txBody>
+          <a:bodyPr rtlCol="0" anchor="ctr"/>
+          <a:lstStyle/>
+          <a:p>
+            <a:pPr algn="ctr"/>
+            <a:r>
+              <a:rPr lang="en-US" dirty="0">
+                <a:solidFill>
+                  <a:schemeClr val="tx1"/>
+                </a:solidFill>
+              </a:rPr>
+              <a:t>E-book</a:t>
+            </a:r>
+          </a:p>
+        </p:txBody>
+      </p:sp>
+      <p:cxnSp>
+        <p:nvCxnSpPr>
+          <p:cNvPr id="127" name="Straight Arrow Connector 126">
+            <a:extLst>
+              <a:ext uri="{FF2B5EF4-FFF2-40B4-BE49-F238E27FC236}">
+                <a16:creationId xmlns:a16="http://schemas.microsoft.com/office/drawing/2014/main" id="{2A54B0CD-B043-4B96-A8AA-2FD0BB2314D4}"/>
+              </a:ext>
+            </a:extLst>
+          </p:cNvPr>
+          <p:cNvCxnSpPr>
+            <a:cxnSpLocks/>
+            <a:endCxn id="124" idx="0"/>
+          </p:cNvCxnSpPr>
+          <p:nvPr/>
+        </p:nvCxnSpPr>
+        <p:spPr>
+          <a:xfrm>
+            <a:off x="7105650" y="2327508"/>
+            <a:ext cx="0" cy="455319"/>
+          </a:xfrm>
+          <a:prstGeom prst="straightConnector1">
+            <a:avLst/>
+          </a:prstGeom>
+          <a:ln>
+            <a:tailEnd type="triangle"/>
+          </a:ln>
+        </p:spPr>
+        <p:style>
+          <a:lnRef idx="1">
+            <a:schemeClr val="dk1"/>
+          </a:lnRef>
+          <a:fillRef idx="0">
+            <a:schemeClr val="dk1"/>
+          </a:fillRef>
+          <a:effectRef idx="0">
+            <a:schemeClr val="dk1"/>
+          </a:effectRef>
+          <a:fontRef idx="minor">
+            <a:schemeClr val="tx1"/>
+          </a:fontRef>
+        </p:style>
+      </p:cxnSp>
+      <p:cxnSp>
+        <p:nvCxnSpPr>
+          <p:cNvPr id="128" name="Straight Arrow Connector 127">
+            <a:extLst>
+              <a:ext uri="{FF2B5EF4-FFF2-40B4-BE49-F238E27FC236}">
+                <a16:creationId xmlns:a16="http://schemas.microsoft.com/office/drawing/2014/main" id="{943A356E-58D4-4BF9-8C31-C890C91F9A91}"/>
+              </a:ext>
+            </a:extLst>
+          </p:cNvPr>
+          <p:cNvCxnSpPr>
+            <a:cxnSpLocks/>
+            <a:stCxn id="125" idx="3"/>
+            <a:endCxn id="124" idx="1"/>
+          </p:cNvCxnSpPr>
+          <p:nvPr/>
+        </p:nvCxnSpPr>
+        <p:spPr>
+          <a:xfrm flipV="1">
+            <a:off x="5132219" y="3148730"/>
+            <a:ext cx="887581" cy="132633"/>
+          </a:xfrm>
+          <a:prstGeom prst="straightConnector1">
+            <a:avLst/>
+          </a:prstGeom>
+          <a:ln>
+            <a:tailEnd type="triangle"/>
+          </a:ln>
+        </p:spPr>
+        <p:style>
+          <a:lnRef idx="1">
+            <a:schemeClr val="dk1"/>
+          </a:lnRef>
+          <a:fillRef idx="0">
+            <a:schemeClr val="dk1"/>
+          </a:fillRef>
+          <a:effectRef idx="0">
+            <a:schemeClr val="dk1"/>
+          </a:effectRef>
+          <a:fontRef idx="minor">
+            <a:schemeClr val="tx1"/>
+          </a:fontRef>
+        </p:style>
+      </p:cxnSp>
+      <p:sp>
+        <p:nvSpPr>
+          <p:cNvPr id="133" name="TextBox 132">
+            <a:extLst>
+              <a:ext uri="{FF2B5EF4-FFF2-40B4-BE49-F238E27FC236}">
+                <a16:creationId xmlns:a16="http://schemas.microsoft.com/office/drawing/2014/main" id="{8176A062-513A-4D9B-89A3-3E60583498EF}"/>
+              </a:ext>
+            </a:extLst>
+          </p:cNvPr>
+          <p:cNvSpPr txBox="1"/>
+          <p:nvPr/>
+        </p:nvSpPr>
+        <p:spPr>
+          <a:xfrm>
+            <a:off x="0" y="358638"/>
+            <a:ext cx="11925300" cy="4127637"/>
+          </a:xfrm>
+          <a:prstGeom prst="rect">
+            <a:avLst/>
+          </a:prstGeom>
+          <a:noFill/>
+          <a:ln>
+            <a:solidFill>
+              <a:schemeClr val="tx1"/>
+            </a:solidFill>
+          </a:ln>
+        </p:spPr>
+        <p:txBody>
+          <a:bodyPr wrap="square" rtlCol="0">
+            <a:spAutoFit/>
+          </a:bodyPr>
+          <a:lstStyle/>
+          <a:p>
+            <a:endParaRPr lang="en-US" dirty="0"/>
+          </a:p>
+        </p:txBody>
+      </p:sp>
+      <p:cxnSp>
+        <p:nvCxnSpPr>
+          <p:cNvPr id="134" name="Straight Arrow Connector 133">
+            <a:extLst>
+              <a:ext uri="{FF2B5EF4-FFF2-40B4-BE49-F238E27FC236}">
+                <a16:creationId xmlns:a16="http://schemas.microsoft.com/office/drawing/2014/main" id="{D87B03B3-F8AD-4153-B63F-CA3BB64DF55F}"/>
+              </a:ext>
+            </a:extLst>
+          </p:cNvPr>
+          <p:cNvCxnSpPr>
+            <a:cxnSpLocks/>
+            <a:endCxn id="138" idx="0"/>
+          </p:cNvCxnSpPr>
+          <p:nvPr/>
+        </p:nvCxnSpPr>
+        <p:spPr>
+          <a:xfrm>
+            <a:off x="5365787" y="4516780"/>
+            <a:ext cx="0" cy="526356"/>
+          </a:xfrm>
+          <a:prstGeom prst="straightConnector1">
+            <a:avLst/>
+          </a:prstGeom>
+          <a:ln>
+            <a:tailEnd type="triangle"/>
+          </a:ln>
+        </p:spPr>
+        <p:style>
+          <a:lnRef idx="1">
+            <a:schemeClr val="dk1"/>
+          </a:lnRef>
+          <a:fillRef idx="0">
+            <a:schemeClr val="dk1"/>
+          </a:fillRef>
+          <a:effectRef idx="0">
+            <a:schemeClr val="dk1"/>
+          </a:effectRef>
+          <a:fontRef idx="minor">
+            <a:schemeClr val="tx1"/>
+          </a:fontRef>
+        </p:style>
+      </p:cxnSp>
+      <p:sp>
+        <p:nvSpPr>
+          <p:cNvPr id="138" name="Diamond 137">
+            <a:extLst>
+              <a:ext uri="{FF2B5EF4-FFF2-40B4-BE49-F238E27FC236}">
+                <a16:creationId xmlns:a16="http://schemas.microsoft.com/office/drawing/2014/main" id="{06DF6C18-7F05-4A1C-91AE-3B388E15777D}"/>
+              </a:ext>
+            </a:extLst>
+          </p:cNvPr>
+          <p:cNvSpPr/>
+          <p:nvPr/>
+        </p:nvSpPr>
+        <p:spPr>
+          <a:xfrm>
+            <a:off x="4404012" y="5043136"/>
+            <a:ext cx="1923550" cy="656481"/>
+          </a:xfrm>
+          <a:prstGeom prst="diamond">
+            <a:avLst/>
+          </a:prstGeom>
+          <a:noFill/>
+        </p:spPr>
+        <p:style>
+          <a:lnRef idx="2">
+            <a:schemeClr val="accent1">
+              <a:shade val="50000"/>
+            </a:schemeClr>
+          </a:lnRef>
+          <a:fillRef idx="1">
+            <a:schemeClr val="accent1"/>
+          </a:fillRef>
+          <a:effectRef idx="0">
+            <a:schemeClr val="accent1"/>
+          </a:effectRef>
+          <a:fontRef idx="minor">
+            <a:schemeClr val="lt1"/>
+          </a:fontRef>
+        </p:style>
+        <p:txBody>
+          <a:bodyPr rtlCol="0" anchor="ctr"/>
+          <a:lstStyle/>
+          <a:p>
+            <a:pPr algn="ctr"/>
+            <a:r>
+              <a:rPr lang="en-US" sz="2000" dirty="0">
+                <a:solidFill>
+                  <a:schemeClr val="tx1"/>
+                </a:solidFill>
+              </a:rPr>
+              <a:t>read</a:t>
+            </a:r>
+            <a:endParaRPr lang="en-US" dirty="0">
+              <a:solidFill>
+                <a:schemeClr val="tx1"/>
+              </a:solidFill>
+            </a:endParaRPr>
+          </a:p>
+        </p:txBody>
+      </p:sp>
+      <p:cxnSp>
+        <p:nvCxnSpPr>
+          <p:cNvPr id="148" name="Connector: Elbow 147">
+            <a:extLst>
+              <a:ext uri="{FF2B5EF4-FFF2-40B4-BE49-F238E27FC236}">
+                <a16:creationId xmlns:a16="http://schemas.microsoft.com/office/drawing/2014/main" id="{C2EEA475-31D1-46B2-802A-6D3D5D48F0E8}"/>
+              </a:ext>
+            </a:extLst>
+          </p:cNvPr>
+          <p:cNvCxnSpPr>
+            <a:cxnSpLocks/>
+            <a:endCxn id="138" idx="2"/>
+          </p:cNvCxnSpPr>
+          <p:nvPr/>
+        </p:nvCxnSpPr>
+        <p:spPr>
+          <a:xfrm rot="16200000" flipH="1">
+            <a:off x="3791251" y="4125081"/>
+            <a:ext cx="2089640" cy="1059432"/>
+          </a:xfrm>
+          <a:prstGeom prst="bentConnector3">
+            <a:avLst>
+              <a:gd name="adj1" fmla="val 110940"/>
+            </a:avLst>
+          </a:prstGeom>
+          <a:ln>
+            <a:tailEnd type="triangle"/>
+          </a:ln>
+        </p:spPr>
+        <p:style>
+          <a:lnRef idx="1">
+            <a:schemeClr val="dk1"/>
+          </a:lnRef>
+          <a:fillRef idx="0">
+            <a:schemeClr val="dk1"/>
+          </a:fillRef>
+          <a:effectRef idx="0">
+            <a:schemeClr val="dk1"/>
+          </a:effectRef>
+          <a:fontRef idx="minor">
+            <a:schemeClr val="tx1"/>
+          </a:fontRef>
+        </p:style>
+      </p:cxnSp>
+      <p:cxnSp>
+        <p:nvCxnSpPr>
+          <p:cNvPr id="149" name="Straight Arrow Connector 148">
+            <a:extLst>
+              <a:ext uri="{FF2B5EF4-FFF2-40B4-BE49-F238E27FC236}">
+                <a16:creationId xmlns:a16="http://schemas.microsoft.com/office/drawing/2014/main" id="{F5DF774D-EF0D-46BB-9C6F-8885FE89D31C}"/>
+              </a:ext>
+            </a:extLst>
+          </p:cNvPr>
+          <p:cNvCxnSpPr>
+            <a:cxnSpLocks/>
+            <a:endCxn id="150" idx="0"/>
+          </p:cNvCxnSpPr>
+          <p:nvPr/>
+        </p:nvCxnSpPr>
+        <p:spPr>
+          <a:xfrm>
+            <a:off x="2480463" y="4516780"/>
+            <a:ext cx="0" cy="526356"/>
+          </a:xfrm>
+          <a:prstGeom prst="straightConnector1">
+            <a:avLst/>
+          </a:prstGeom>
+          <a:ln>
+            <a:tailEnd type="triangle"/>
+          </a:ln>
+        </p:spPr>
+        <p:style>
+          <a:lnRef idx="1">
+            <a:schemeClr val="dk1"/>
+          </a:lnRef>
+          <a:fillRef idx="0">
+            <a:schemeClr val="dk1"/>
+          </a:fillRef>
+          <a:effectRef idx="0">
+            <a:schemeClr val="dk1"/>
+          </a:effectRef>
+          <a:fontRef idx="minor">
+            <a:schemeClr val="tx1"/>
+          </a:fontRef>
+        </p:style>
+      </p:cxnSp>
+      <p:sp>
+        <p:nvSpPr>
+          <p:cNvPr id="150" name="Diamond 149">
+            <a:extLst>
+              <a:ext uri="{FF2B5EF4-FFF2-40B4-BE49-F238E27FC236}">
+                <a16:creationId xmlns:a16="http://schemas.microsoft.com/office/drawing/2014/main" id="{0750AA25-4405-4E0F-A10E-661FB4927F3A}"/>
+              </a:ext>
+            </a:extLst>
+          </p:cNvPr>
+          <p:cNvSpPr/>
+          <p:nvPr/>
+        </p:nvSpPr>
+        <p:spPr>
+          <a:xfrm>
+            <a:off x="1518688" y="5043136"/>
+            <a:ext cx="1923550" cy="656481"/>
+          </a:xfrm>
+          <a:prstGeom prst="diamond">
+            <a:avLst/>
+          </a:prstGeom>
+          <a:noFill/>
+        </p:spPr>
+        <p:style>
+          <a:lnRef idx="2">
+            <a:schemeClr val="accent1">
+              <a:shade val="50000"/>
+            </a:schemeClr>
+          </a:lnRef>
+          <a:fillRef idx="1">
+            <a:schemeClr val="accent1"/>
+          </a:fillRef>
+          <a:effectRef idx="0">
+            <a:schemeClr val="accent1"/>
+          </a:effectRef>
+          <a:fontRef idx="minor">
+            <a:schemeClr val="lt1"/>
+          </a:fontRef>
+        </p:style>
+        <p:txBody>
+          <a:bodyPr rtlCol="0" anchor="ctr"/>
+          <a:lstStyle/>
+          <a:p>
+            <a:pPr algn="ctr"/>
+            <a:r>
+              <a:rPr lang="en-US" sz="2000" dirty="0">
+                <a:solidFill>
+                  <a:schemeClr val="tx1"/>
+                </a:solidFill>
+              </a:rPr>
+              <a:t>likes</a:t>
+            </a:r>
+            <a:endParaRPr lang="en-US" dirty="0">
+              <a:solidFill>
+                <a:schemeClr val="tx1"/>
+              </a:solidFill>
+            </a:endParaRPr>
+          </a:p>
+        </p:txBody>
+      </p:sp>
+      <p:cxnSp>
+        <p:nvCxnSpPr>
+          <p:cNvPr id="151" name="Connector: Elbow 150">
+            <a:extLst>
+              <a:ext uri="{FF2B5EF4-FFF2-40B4-BE49-F238E27FC236}">
+                <a16:creationId xmlns:a16="http://schemas.microsoft.com/office/drawing/2014/main" id="{E394DBD3-202E-4A0A-A762-8A82D8A74BB9}"/>
+              </a:ext>
+            </a:extLst>
+          </p:cNvPr>
+          <p:cNvCxnSpPr>
+            <a:cxnSpLocks/>
+            <a:endCxn id="150" idx="2"/>
+          </p:cNvCxnSpPr>
+          <p:nvPr/>
+        </p:nvCxnSpPr>
+        <p:spPr>
+          <a:xfrm rot="5400000">
+            <a:off x="2157313" y="3925952"/>
+            <a:ext cx="2096815" cy="1450514"/>
+          </a:xfrm>
+          <a:prstGeom prst="bentConnector3">
+            <a:avLst>
+              <a:gd name="adj1" fmla="val 110902"/>
+            </a:avLst>
+          </a:prstGeom>
+          <a:ln>
+            <a:tailEnd type="triangle"/>
+          </a:ln>
+        </p:spPr>
+        <p:style>
+          <a:lnRef idx="1">
+            <a:schemeClr val="dk1"/>
+          </a:lnRef>
+          <a:fillRef idx="0">
+            <a:schemeClr val="dk1"/>
+          </a:fillRef>
+          <a:effectRef idx="0">
+            <a:schemeClr val="dk1"/>
+          </a:effectRef>
+          <a:fontRef idx="minor">
+            <a:schemeClr val="tx1"/>
+          </a:fontRef>
+        </p:style>
+      </p:cxnSp>
+      <p:cxnSp>
+        <p:nvCxnSpPr>
+          <p:cNvPr id="152" name="Straight Arrow Connector 151">
+            <a:extLst>
+              <a:ext uri="{FF2B5EF4-FFF2-40B4-BE49-F238E27FC236}">
+                <a16:creationId xmlns:a16="http://schemas.microsoft.com/office/drawing/2014/main" id="{60B7DBEB-E8AC-43B4-87B7-A56C4B98BC0D}"/>
+              </a:ext>
+            </a:extLst>
+          </p:cNvPr>
+          <p:cNvCxnSpPr>
+            <a:cxnSpLocks/>
+            <a:endCxn id="153" idx="0"/>
+          </p:cNvCxnSpPr>
+          <p:nvPr/>
+        </p:nvCxnSpPr>
+        <p:spPr>
+          <a:xfrm>
+            <a:off x="7762376" y="4516780"/>
+            <a:ext cx="0" cy="526356"/>
+          </a:xfrm>
+          <a:prstGeom prst="straightConnector1">
+            <a:avLst/>
+          </a:prstGeom>
+          <a:ln>
+            <a:tailEnd type="triangle"/>
+          </a:ln>
+        </p:spPr>
+        <p:style>
+          <a:lnRef idx="1">
+            <a:schemeClr val="dk1"/>
+          </a:lnRef>
+          <a:fillRef idx="0">
+            <a:schemeClr val="dk1"/>
+          </a:fillRef>
+          <a:effectRef idx="0">
+            <a:schemeClr val="dk1"/>
+          </a:effectRef>
+          <a:fontRef idx="minor">
+            <a:schemeClr val="tx1"/>
+          </a:fontRef>
+        </p:style>
+      </p:cxnSp>
+      <p:sp>
+        <p:nvSpPr>
+          <p:cNvPr id="153" name="Diamond 152">
+            <a:extLst>
+              <a:ext uri="{FF2B5EF4-FFF2-40B4-BE49-F238E27FC236}">
+                <a16:creationId xmlns:a16="http://schemas.microsoft.com/office/drawing/2014/main" id="{4B4CA124-F946-4BF5-BA49-1BB8FDDB5015}"/>
+              </a:ext>
+            </a:extLst>
+          </p:cNvPr>
+          <p:cNvSpPr/>
+          <p:nvPr/>
+        </p:nvSpPr>
+        <p:spPr>
+          <a:xfrm>
+            <a:off x="6800601" y="5043136"/>
+            <a:ext cx="1923550" cy="656481"/>
+          </a:xfrm>
+          <a:prstGeom prst="diamond">
+            <a:avLst/>
+          </a:prstGeom>
+          <a:noFill/>
+        </p:spPr>
+        <p:style>
+          <a:lnRef idx="2">
+            <a:schemeClr val="accent1">
+              <a:shade val="50000"/>
+            </a:schemeClr>
+          </a:lnRef>
+          <a:fillRef idx="1">
+            <a:schemeClr val="accent1"/>
+          </a:fillRef>
+          <a:effectRef idx="0">
+            <a:schemeClr val="accent1"/>
+          </a:effectRef>
+          <a:fontRef idx="minor">
+            <a:schemeClr val="lt1"/>
+          </a:fontRef>
+        </p:style>
+        <p:txBody>
+          <a:bodyPr rtlCol="0" anchor="ctr"/>
+          <a:lstStyle/>
+          <a:p>
+            <a:pPr algn="ctr"/>
+            <a:r>
+              <a:rPr lang="en-US" sz="2000" dirty="0">
+                <a:solidFill>
+                  <a:schemeClr val="tx1"/>
+                </a:solidFill>
+              </a:rPr>
+              <a:t>review</a:t>
+            </a:r>
+            <a:endParaRPr lang="en-US" dirty="0">
+              <a:solidFill>
+                <a:schemeClr val="tx1"/>
+              </a:solidFill>
+            </a:endParaRPr>
+          </a:p>
+        </p:txBody>
+      </p:sp>
+      <p:cxnSp>
+        <p:nvCxnSpPr>
+          <p:cNvPr id="154" name="Connector: Elbow 153">
+            <a:extLst>
+              <a:ext uri="{FF2B5EF4-FFF2-40B4-BE49-F238E27FC236}">
+                <a16:creationId xmlns:a16="http://schemas.microsoft.com/office/drawing/2014/main" id="{E2386AE8-FC58-4E0E-A4B9-B9C71923425E}"/>
+              </a:ext>
+            </a:extLst>
+          </p:cNvPr>
+          <p:cNvCxnSpPr>
+            <a:cxnSpLocks/>
+            <a:stCxn id="153" idx="2"/>
+          </p:cNvCxnSpPr>
+          <p:nvPr/>
+        </p:nvCxnSpPr>
+        <p:spPr>
+          <a:xfrm rot="5400000" flipH="1">
+            <a:off x="5311989" y="3249231"/>
+            <a:ext cx="2270617" cy="2630157"/>
+          </a:xfrm>
+          <a:prstGeom prst="bentConnector4">
+            <a:avLst>
+              <a:gd name="adj1" fmla="val -10068"/>
+              <a:gd name="adj2" fmla="val 52350"/>
+            </a:avLst>
+          </a:prstGeom>
+          <a:ln>
+            <a:tailEnd type="triangle"/>
+          </a:ln>
+        </p:spPr>
+        <p:style>
+          <a:lnRef idx="1">
+            <a:schemeClr val="dk1"/>
+          </a:lnRef>
+          <a:fillRef idx="0">
+            <a:schemeClr val="dk1"/>
+          </a:fillRef>
+          <a:effectRef idx="0">
+            <a:schemeClr val="dk1"/>
+          </a:effectRef>
+          <a:fontRef idx="minor">
+            <a:schemeClr val="tx1"/>
+          </a:fontRef>
+        </p:style>
+      </p:cxnSp>
+      <p:sp>
+        <p:nvSpPr>
+          <p:cNvPr id="164" name="TextBox 163">
+            <a:extLst>
+              <a:ext uri="{FF2B5EF4-FFF2-40B4-BE49-F238E27FC236}">
+                <a16:creationId xmlns:a16="http://schemas.microsoft.com/office/drawing/2014/main" id="{F449F82D-A962-423A-9CFA-F069D905F566}"/>
+              </a:ext>
+            </a:extLst>
+          </p:cNvPr>
+          <p:cNvSpPr txBox="1"/>
+          <p:nvPr/>
+        </p:nvSpPr>
+        <p:spPr>
+          <a:xfrm>
+            <a:off x="1028700" y="3148730"/>
+            <a:ext cx="1450515" cy="584775"/>
+          </a:xfrm>
+          <a:prstGeom prst="rect">
+            <a:avLst/>
+          </a:prstGeom>
+          <a:noFill/>
+        </p:spPr>
+        <p:txBody>
+          <a:bodyPr wrap="square" rtlCol="0">
+            <a:spAutoFit/>
+          </a:bodyPr>
+          <a:lstStyle/>
+          <a:p>
+            <a:r>
+              <a:rPr lang="en-US" sz="3200" dirty="0"/>
+              <a:t>R1</a:t>
+            </a:r>
+          </a:p>
+        </p:txBody>
+      </p:sp>
+      <p:cxnSp>
+        <p:nvCxnSpPr>
+          <p:cNvPr id="166" name="Connector: Elbow 165">
+            <a:extLst>
+              <a:ext uri="{FF2B5EF4-FFF2-40B4-BE49-F238E27FC236}">
+                <a16:creationId xmlns:a16="http://schemas.microsoft.com/office/drawing/2014/main" id="{A693F0F3-41C9-48EF-90C2-FC3EC3AAA90C}"/>
+              </a:ext>
+            </a:extLst>
+          </p:cNvPr>
+          <p:cNvCxnSpPr>
+            <a:cxnSpLocks/>
+          </p:cNvCxnSpPr>
+          <p:nvPr/>
+        </p:nvCxnSpPr>
+        <p:spPr>
+          <a:xfrm>
+            <a:off x="6091787" y="1902526"/>
+            <a:ext cx="4628601" cy="3110105"/>
+          </a:xfrm>
+          <a:prstGeom prst="bentConnector3">
+            <a:avLst/>
+          </a:prstGeom>
+          <a:ln>
+            <a:solidFill>
+              <a:schemeClr val="tx1"/>
+            </a:solidFill>
+            <a:tailEnd type="triangle"/>
+          </a:ln>
+        </p:spPr>
+        <p:style>
+          <a:lnRef idx="1">
+            <a:schemeClr val="accent1"/>
+          </a:lnRef>
+          <a:fillRef idx="0">
+            <a:schemeClr val="accent1"/>
+          </a:fillRef>
+          <a:effectRef idx="0">
+            <a:schemeClr val="accent1"/>
+          </a:effectRef>
+          <a:fontRef idx="minor">
+            <a:schemeClr val="tx1"/>
+          </a:fontRef>
+        </p:style>
+      </p:cxnSp>
+      <p:sp>
+        <p:nvSpPr>
+          <p:cNvPr id="168" name="Diamond 167">
+            <a:extLst>
+              <a:ext uri="{FF2B5EF4-FFF2-40B4-BE49-F238E27FC236}">
+                <a16:creationId xmlns:a16="http://schemas.microsoft.com/office/drawing/2014/main" id="{AC799118-9FB9-4FBF-8498-D9D6323F8F2F}"/>
+              </a:ext>
+            </a:extLst>
+          </p:cNvPr>
+          <p:cNvSpPr/>
+          <p:nvPr/>
+        </p:nvSpPr>
+        <p:spPr>
+          <a:xfrm>
+            <a:off x="9758613" y="5012631"/>
+            <a:ext cx="1923550" cy="656481"/>
+          </a:xfrm>
+          <a:prstGeom prst="diamond">
+            <a:avLst/>
+          </a:prstGeom>
+          <a:noFill/>
+        </p:spPr>
+        <p:style>
+          <a:lnRef idx="2">
+            <a:schemeClr val="accent1">
+              <a:shade val="50000"/>
+            </a:schemeClr>
+          </a:lnRef>
+          <a:fillRef idx="1">
+            <a:schemeClr val="accent1"/>
+          </a:fillRef>
+          <a:effectRef idx="0">
+            <a:schemeClr val="accent1"/>
+          </a:effectRef>
+          <a:fontRef idx="minor">
+            <a:schemeClr val="lt1"/>
+          </a:fontRef>
+        </p:style>
+        <p:txBody>
+          <a:bodyPr rtlCol="0" anchor="ctr"/>
+          <a:lstStyle/>
+          <a:p>
+            <a:pPr algn="ctr"/>
+            <a:r>
+              <a:rPr lang="en-US" sz="2000" dirty="0">
+                <a:solidFill>
+                  <a:schemeClr val="tx1"/>
+                </a:solidFill>
+              </a:rPr>
+              <a:t>delete</a:t>
+            </a:r>
+            <a:endParaRPr lang="en-US" dirty="0">
+              <a:solidFill>
+                <a:schemeClr val="tx1"/>
+              </a:solidFill>
+            </a:endParaRPr>
+          </a:p>
+        </p:txBody>
+      </p:sp>
+      <p:sp>
+        <p:nvSpPr>
+          <p:cNvPr id="169" name="Rectangle 168">
+            <a:extLst>
+              <a:ext uri="{FF2B5EF4-FFF2-40B4-BE49-F238E27FC236}">
+                <a16:creationId xmlns:a16="http://schemas.microsoft.com/office/drawing/2014/main" id="{5AC66F07-9D12-4A12-8639-064AA929B05D}"/>
+              </a:ext>
+            </a:extLst>
+          </p:cNvPr>
+          <p:cNvSpPr/>
+          <p:nvPr/>
+        </p:nvSpPr>
+        <p:spPr>
+          <a:xfrm>
+            <a:off x="10162736" y="6108683"/>
             <a:ext cx="1257300" cy="622333"/>
           </a:xfrm>
           <a:prstGeom prst="rect">
@@ -9659,12 +10295,55 @@
           </a:p>
         </p:txBody>
       </p:sp>
-      <p:sp>
-        <p:nvSpPr>
-          <p:cNvPr id="93" name="Rectangle 92">
-            <a:extLst>
-              <a:ext uri="{FF2B5EF4-FFF2-40B4-BE49-F238E27FC236}">
-                <a16:creationId xmlns:a16="http://schemas.microsoft.com/office/drawing/2014/main" id="{932FC7F7-D2B5-4832-B5CD-4D64566AD80F}"/>
+      <p:cxnSp>
+        <p:nvCxnSpPr>
+          <p:cNvPr id="170" name="Straight Arrow Connector 169">
+            <a:extLst>
+              <a:ext uri="{FF2B5EF4-FFF2-40B4-BE49-F238E27FC236}">
+                <a16:creationId xmlns:a16="http://schemas.microsoft.com/office/drawing/2014/main" id="{0410D26D-AEAD-45D8-B2EA-2B21BB5DB052}"/>
+              </a:ext>
+            </a:extLst>
+          </p:cNvPr>
+          <p:cNvCxnSpPr>
+            <a:cxnSpLocks/>
+            <a:stCxn id="169" idx="0"/>
+            <a:endCxn id="168" idx="2"/>
+          </p:cNvCxnSpPr>
+          <p:nvPr/>
+        </p:nvCxnSpPr>
+        <p:spPr>
+          <a:xfrm flipH="1" flipV="1">
+            <a:off x="10720388" y="5669112"/>
+            <a:ext cx="70998" cy="439571"/>
+          </a:xfrm>
+          <a:prstGeom prst="straightConnector1">
+            <a:avLst/>
+          </a:prstGeom>
+          <a:ln>
+            <a:tailEnd type="triangle"/>
+          </a:ln>
+        </p:spPr>
+        <p:style>
+          <a:lnRef idx="1">
+            <a:schemeClr val="dk1"/>
+          </a:lnRef>
+          <a:fillRef idx="0">
+            <a:schemeClr val="dk1"/>
+          </a:fillRef>
+          <a:effectRef idx="0">
+            <a:schemeClr val="dk1"/>
+          </a:effectRef>
+          <a:fontRef idx="minor">
+            <a:schemeClr val="tx1"/>
+          </a:fontRef>
+        </p:style>
+      </p:cxnSp>
+      <p:sp>
+        <p:nvSpPr>
+          <p:cNvPr id="173" name="Diamond 172">
+            <a:extLst>
+              <a:ext uri="{FF2B5EF4-FFF2-40B4-BE49-F238E27FC236}">
+                <a16:creationId xmlns:a16="http://schemas.microsoft.com/office/drawing/2014/main" id="{9EC8E028-1CF7-4E1D-9D02-C6907FDB7071}"/>
               </a:ext>
             </a:extLst>
           </p:cNvPr>
@@ -9673,15 +10352,13 @@
         </p:nvSpPr>
         <p:spPr>
           <a:xfrm>
-            <a:off x="776286" y="1014411"/>
-            <a:ext cx="1206166" cy="535903"/>
-          </a:xfrm>
-          <a:prstGeom prst="rect">
-            <a:avLst/>
-          </a:prstGeom>
-          <a:solidFill>
-            <a:schemeClr val="bg1"/>
-          </a:solidFill>
+            <a:off x="0" y="5669112"/>
+            <a:ext cx="2929376" cy="1061903"/>
+          </a:xfrm>
+          <a:prstGeom prst="diamond">
+            <a:avLst/>
+          </a:prstGeom>
+          <a:noFill/>
         </p:spPr>
         <p:style>
           <a:lnRef idx="2">
@@ -9705,145 +10382,40 @@
           <a:p>
             <a:pPr algn="ctr"/>
             <a:r>
-              <a:rPr lang="en-US" dirty="0">
+              <a:rPr lang="en-US" sz="2000" dirty="0">
                 <a:solidFill>
                   <a:schemeClr val="tx1"/>
                 </a:solidFill>
               </a:rPr>
-              <a:t>user</a:t>
-            </a:r>
-          </a:p>
-        </p:txBody>
-      </p:sp>
-      <p:sp>
-        <p:nvSpPr>
-          <p:cNvPr id="102" name="Rectangle 101">
-            <a:extLst>
-              <a:ext uri="{FF2B5EF4-FFF2-40B4-BE49-F238E27FC236}">
-                <a16:creationId xmlns:a16="http://schemas.microsoft.com/office/drawing/2014/main" id="{9C34B071-44CB-4768-BE9A-1A75F04DDC13}"/>
-              </a:ext>
-            </a:extLst>
-          </p:cNvPr>
-          <p:cNvSpPr/>
-          <p:nvPr/>
-        </p:nvSpPr>
-        <p:spPr>
-          <a:xfrm>
-            <a:off x="4529136" y="1014411"/>
-            <a:ext cx="1206166" cy="535903"/>
-          </a:xfrm>
-          <a:prstGeom prst="rect">
-            <a:avLst/>
-          </a:prstGeom>
-          <a:solidFill>
-            <a:schemeClr val="bg1"/>
-          </a:solidFill>
-        </p:spPr>
-        <p:style>
-          <a:lnRef idx="2">
-            <a:schemeClr val="accent1">
-              <a:shade val="50000"/>
-            </a:schemeClr>
-          </a:lnRef>
-          <a:fillRef idx="1">
-            <a:schemeClr val="accent1"/>
-          </a:fillRef>
-          <a:effectRef idx="0">
-            <a:schemeClr val="accent1"/>
-          </a:effectRef>
-          <a:fontRef idx="minor">
-            <a:schemeClr val="lt1"/>
-          </a:fontRef>
-        </p:style>
-        <p:txBody>
-          <a:bodyPr rtlCol="0" anchor="ctr"/>
-          <a:lstStyle/>
-          <a:p>
-            <a:pPr algn="ctr"/>
-            <a:r>
-              <a:rPr lang="en-US" dirty="0">
-                <a:solidFill>
-                  <a:schemeClr val="tx1"/>
-                </a:solidFill>
-              </a:rPr>
-              <a:t>E-book</a:t>
-            </a:r>
-          </a:p>
-        </p:txBody>
-      </p:sp>
-      <p:sp>
-        <p:nvSpPr>
-          <p:cNvPr id="104" name="Diamond 103">
-            <a:extLst>
-              <a:ext uri="{FF2B5EF4-FFF2-40B4-BE49-F238E27FC236}">
-                <a16:creationId xmlns:a16="http://schemas.microsoft.com/office/drawing/2014/main" id="{2D7874A7-241B-4A2A-B1EB-BAA096D746D1}"/>
-              </a:ext>
-            </a:extLst>
-          </p:cNvPr>
-          <p:cNvSpPr/>
-          <p:nvPr/>
-        </p:nvSpPr>
-        <p:spPr>
-          <a:xfrm>
-            <a:off x="2195511" y="1014411"/>
-            <a:ext cx="2083378" cy="466003"/>
-          </a:xfrm>
-          <a:prstGeom prst="diamond">
-            <a:avLst/>
-          </a:prstGeom>
-          <a:noFill/>
-        </p:spPr>
-        <p:style>
-          <a:lnRef idx="2">
-            <a:schemeClr val="accent1">
-              <a:shade val="50000"/>
-            </a:schemeClr>
-          </a:lnRef>
-          <a:fillRef idx="1">
-            <a:schemeClr val="accent1"/>
-          </a:fillRef>
-          <a:effectRef idx="0">
-            <a:schemeClr val="accent1"/>
-          </a:effectRef>
-          <a:fontRef idx="minor">
-            <a:schemeClr val="lt1"/>
-          </a:fontRef>
-        </p:style>
-        <p:txBody>
-          <a:bodyPr rtlCol="0" anchor="ctr"/>
-          <a:lstStyle/>
-          <a:p>
-            <a:pPr algn="ctr"/>
-            <a:r>
-              <a:rPr lang="en-US" dirty="0">
-                <a:solidFill>
-                  <a:schemeClr val="tx1"/>
-                </a:solidFill>
-              </a:rPr>
-              <a:t>Purchase</a:t>
-            </a:r>
+              <a:t>Review recent purchases</a:t>
+            </a:r>
+            <a:endParaRPr lang="en-US" dirty="0">
+              <a:solidFill>
+                <a:schemeClr val="tx1"/>
+              </a:solidFill>
+            </a:endParaRPr>
           </a:p>
         </p:txBody>
       </p:sp>
       <p:cxnSp>
         <p:nvCxnSpPr>
-          <p:cNvPr id="106" name="Straight Arrow Connector 105">
-            <a:extLst>
-              <a:ext uri="{FF2B5EF4-FFF2-40B4-BE49-F238E27FC236}">
-                <a16:creationId xmlns:a16="http://schemas.microsoft.com/office/drawing/2014/main" id="{B726F643-843C-4671-AF18-89DCB1A0F490}"/>
+          <p:cNvPr id="174" name="Straight Arrow Connector 173">
+            <a:extLst>
+              <a:ext uri="{FF2B5EF4-FFF2-40B4-BE49-F238E27FC236}">
+                <a16:creationId xmlns:a16="http://schemas.microsoft.com/office/drawing/2014/main" id="{9E774FA6-76E4-4894-BD43-753F3671CC0F}"/>
               </a:ext>
             </a:extLst>
           </p:cNvPr>
           <p:cNvCxnSpPr>
             <a:cxnSpLocks/>
-            <a:stCxn id="104" idx="1"/>
+            <a:endCxn id="173" idx="0"/>
           </p:cNvCxnSpPr>
           <p:nvPr/>
         </p:nvCxnSpPr>
         <p:spPr>
           <a:xfrm flipH="1">
-            <a:off x="2033587" y="1247413"/>
-            <a:ext cx="161924" cy="52749"/>
+            <a:off x="1464688" y="4486275"/>
+            <a:ext cx="19864" cy="1182837"/>
           </a:xfrm>
           <a:prstGeom prst="straightConnector1">
             <a:avLst/>
@@ -9867,134 +10439,12 @@
           </a:fontRef>
         </p:style>
       </p:cxnSp>
-      <p:cxnSp>
-        <p:nvCxnSpPr>
-          <p:cNvPr id="107" name="Straight Arrow Connector 106">
-            <a:extLst>
-              <a:ext uri="{FF2B5EF4-FFF2-40B4-BE49-F238E27FC236}">
-                <a16:creationId xmlns:a16="http://schemas.microsoft.com/office/drawing/2014/main" id="{2158AF77-E8CE-4AAE-9325-BAAA461F9DBB}"/>
-              </a:ext>
-            </a:extLst>
-          </p:cNvPr>
-          <p:cNvCxnSpPr>
-            <a:cxnSpLocks/>
-            <a:stCxn id="104" idx="3"/>
-          </p:cNvCxnSpPr>
-          <p:nvPr/>
-        </p:nvCxnSpPr>
-        <p:spPr>
-          <a:xfrm>
-            <a:off x="4278889" y="1247413"/>
-            <a:ext cx="250246" cy="52748"/>
-          </a:xfrm>
-          <a:prstGeom prst="straightConnector1">
-            <a:avLst/>
-          </a:prstGeom>
-          <a:ln>
-            <a:tailEnd type="triangle"/>
-          </a:ln>
-        </p:spPr>
-        <p:style>
-          <a:lnRef idx="1">
-            <a:schemeClr val="dk1"/>
-          </a:lnRef>
-          <a:fillRef idx="0">
-            <a:schemeClr val="dk1"/>
-          </a:fillRef>
-          <a:effectRef idx="0">
-            <a:schemeClr val="dk1"/>
-          </a:effectRef>
-          <a:fontRef idx="minor">
-            <a:schemeClr val="tx1"/>
-          </a:fontRef>
-        </p:style>
-      </p:cxnSp>
-      <p:sp>
-        <p:nvSpPr>
-          <p:cNvPr id="4" name="TextBox 3">
-            <a:extLst>
-              <a:ext uri="{FF2B5EF4-FFF2-40B4-BE49-F238E27FC236}">
-                <a16:creationId xmlns:a16="http://schemas.microsoft.com/office/drawing/2014/main" id="{D7764B46-CEF7-459F-9799-85CEE9413344}"/>
-              </a:ext>
-            </a:extLst>
-          </p:cNvPr>
-          <p:cNvSpPr txBox="1"/>
-          <p:nvPr/>
-        </p:nvSpPr>
-        <p:spPr>
-          <a:xfrm>
-            <a:off x="366711" y="392907"/>
-            <a:ext cx="5729289" cy="1588294"/>
-          </a:xfrm>
-          <a:prstGeom prst="rect">
-            <a:avLst/>
-          </a:prstGeom>
-          <a:noFill/>
-          <a:ln>
-            <a:solidFill>
-              <a:schemeClr val="tx1"/>
-            </a:solidFill>
-          </a:ln>
-        </p:spPr>
-        <p:txBody>
-          <a:bodyPr wrap="square" rtlCol="0">
-            <a:spAutoFit/>
-          </a:bodyPr>
-          <a:lstStyle/>
-          <a:p>
-            <a:endParaRPr lang="en-US" dirty="0"/>
-          </a:p>
-        </p:txBody>
-      </p:sp>
-      <p:cxnSp>
-        <p:nvCxnSpPr>
-          <p:cNvPr id="41" name="Straight Arrow Connector 40">
-            <a:extLst>
-              <a:ext uri="{FF2B5EF4-FFF2-40B4-BE49-F238E27FC236}">
-                <a16:creationId xmlns:a16="http://schemas.microsoft.com/office/drawing/2014/main" id="{DB408C9A-B91B-4731-AE3C-EC180450F3E7}"/>
-              </a:ext>
-            </a:extLst>
-          </p:cNvPr>
-          <p:cNvCxnSpPr>
-            <a:cxnSpLocks/>
-            <a:stCxn id="84" idx="2"/>
-            <a:endCxn id="52" idx="0"/>
-          </p:cNvCxnSpPr>
-          <p:nvPr/>
-        </p:nvCxnSpPr>
-        <p:spPr>
-          <a:xfrm>
-            <a:off x="7528751" y="972990"/>
-            <a:ext cx="0" cy="311813"/>
-          </a:xfrm>
-          <a:prstGeom prst="straightConnector1">
-            <a:avLst/>
-          </a:prstGeom>
-          <a:ln>
-            <a:tailEnd type="triangle"/>
-          </a:ln>
-        </p:spPr>
-        <p:style>
-          <a:lnRef idx="1">
-            <a:schemeClr val="dk1"/>
-          </a:lnRef>
-          <a:fillRef idx="0">
-            <a:schemeClr val="dk1"/>
-          </a:fillRef>
-          <a:effectRef idx="0">
-            <a:schemeClr val="dk1"/>
-          </a:effectRef>
-          <a:fontRef idx="minor">
-            <a:schemeClr val="tx1"/>
-          </a:fontRef>
-        </p:style>
-      </p:cxnSp>
-      <p:sp>
-        <p:nvSpPr>
-          <p:cNvPr id="52" name="Rectangle 51">
-            <a:extLst>
-              <a:ext uri="{FF2B5EF4-FFF2-40B4-BE49-F238E27FC236}">
-                <a16:creationId xmlns:a16="http://schemas.microsoft.com/office/drawing/2014/main" id="{F3F00AB6-CB45-42CA-A14B-856FD1A0561D}"/>
+      <p:sp>
+        <p:nvSpPr>
+          <p:cNvPr id="176" name="Rectangle 175">
+            <a:extLst>
+              <a:ext uri="{FF2B5EF4-FFF2-40B4-BE49-F238E27FC236}">
+                <a16:creationId xmlns:a16="http://schemas.microsoft.com/office/drawing/2014/main" id="{BDC3C8DA-2F9E-4F2F-8850-90094BDB79DC}"/>
               </a:ext>
             </a:extLst>
           </p:cNvPr>
@@ -10003,237 +10453,7 @@
         </p:nvSpPr>
         <p:spPr>
           <a:xfrm>
-            <a:off x="6900101" y="1284803"/>
-            <a:ext cx="1257300" cy="657225"/>
-          </a:xfrm>
-          <a:prstGeom prst="rect">
-            <a:avLst/>
-          </a:prstGeom>
-          <a:solidFill>
-            <a:schemeClr val="bg1"/>
-          </a:solidFill>
-        </p:spPr>
-        <p:style>
-          <a:lnRef idx="2">
-            <a:schemeClr val="accent1">
-              <a:shade val="50000"/>
-            </a:schemeClr>
-          </a:lnRef>
-          <a:fillRef idx="1">
-            <a:schemeClr val="accent1"/>
-          </a:fillRef>
-          <a:effectRef idx="0">
-            <a:schemeClr val="accent1"/>
-          </a:effectRef>
-          <a:fontRef idx="minor">
-            <a:schemeClr val="lt1"/>
-          </a:fontRef>
-        </p:style>
-        <p:txBody>
-          <a:bodyPr rtlCol="0" anchor="ctr"/>
-          <a:lstStyle/>
-          <a:p>
-            <a:pPr algn="ctr"/>
-            <a:r>
-              <a:rPr lang="en-US" dirty="0">
-                <a:solidFill>
-                  <a:schemeClr val="tx1"/>
-                </a:solidFill>
-              </a:rPr>
-              <a:t>user</a:t>
-            </a:r>
-          </a:p>
-        </p:txBody>
-      </p:sp>
-      <p:cxnSp>
-        <p:nvCxnSpPr>
-          <p:cNvPr id="67" name="Straight Arrow Connector 66">
-            <a:extLst>
-              <a:ext uri="{FF2B5EF4-FFF2-40B4-BE49-F238E27FC236}">
-                <a16:creationId xmlns:a16="http://schemas.microsoft.com/office/drawing/2014/main" id="{12CE3384-B51E-437D-B3D8-002932075C2F}"/>
-              </a:ext>
-            </a:extLst>
-          </p:cNvPr>
-          <p:cNvCxnSpPr>
-            <a:cxnSpLocks/>
-            <a:endCxn id="88" idx="0"/>
-          </p:cNvCxnSpPr>
-          <p:nvPr/>
-        </p:nvCxnSpPr>
-        <p:spPr>
-          <a:xfrm flipH="1">
-            <a:off x="4080701" y="4160806"/>
-            <a:ext cx="23052" cy="905082"/>
-          </a:xfrm>
-          <a:prstGeom prst="straightConnector1">
-            <a:avLst/>
-          </a:prstGeom>
-          <a:ln>
-            <a:tailEnd type="triangle"/>
-          </a:ln>
-        </p:spPr>
-        <p:style>
-          <a:lnRef idx="1">
-            <a:schemeClr val="dk1"/>
-          </a:lnRef>
-          <a:fillRef idx="0">
-            <a:schemeClr val="dk1"/>
-          </a:fillRef>
-          <a:effectRef idx="0">
-            <a:schemeClr val="dk1"/>
-          </a:effectRef>
-          <a:fontRef idx="minor">
-            <a:schemeClr val="tx1"/>
-          </a:fontRef>
-        </p:style>
-      </p:cxnSp>
-      <p:sp>
-        <p:nvSpPr>
-          <p:cNvPr id="37" name="TextBox 36">
-            <a:extLst>
-              <a:ext uri="{FF2B5EF4-FFF2-40B4-BE49-F238E27FC236}">
-                <a16:creationId xmlns:a16="http://schemas.microsoft.com/office/drawing/2014/main" id="{937A0C48-5F7F-41CF-B48F-B5805CDF9B86}"/>
-              </a:ext>
-            </a:extLst>
-          </p:cNvPr>
-          <p:cNvSpPr txBox="1"/>
-          <p:nvPr/>
-        </p:nvSpPr>
-        <p:spPr>
-          <a:xfrm>
-            <a:off x="161925" y="116563"/>
-            <a:ext cx="8610597" cy="2278713"/>
-          </a:xfrm>
-          <a:prstGeom prst="rect">
-            <a:avLst/>
-          </a:prstGeom>
-          <a:noFill/>
-          <a:ln>
-            <a:solidFill>
-              <a:schemeClr val="tx1"/>
-            </a:solidFill>
-          </a:ln>
-        </p:spPr>
-        <p:txBody>
-          <a:bodyPr wrap="square" rtlCol="0">
-            <a:spAutoFit/>
-          </a:bodyPr>
-          <a:lstStyle/>
-          <a:p>
-            <a:endParaRPr lang="en-US" dirty="0"/>
-          </a:p>
-        </p:txBody>
-      </p:sp>
-      <p:sp>
-        <p:nvSpPr>
-          <p:cNvPr id="94" name="Diamond 93">
-            <a:extLst>
-              <a:ext uri="{FF2B5EF4-FFF2-40B4-BE49-F238E27FC236}">
-                <a16:creationId xmlns:a16="http://schemas.microsoft.com/office/drawing/2014/main" id="{F6646862-E1DA-4652-B220-7CF4449E4C36}"/>
-              </a:ext>
-            </a:extLst>
-          </p:cNvPr>
-          <p:cNvSpPr/>
-          <p:nvPr/>
-        </p:nvSpPr>
-        <p:spPr>
-          <a:xfrm>
-            <a:off x="2994851" y="3589306"/>
-            <a:ext cx="2171700" cy="571500"/>
-          </a:xfrm>
-          <a:prstGeom prst="diamond">
-            <a:avLst/>
-          </a:prstGeom>
-          <a:noFill/>
-        </p:spPr>
-        <p:style>
-          <a:lnRef idx="2">
-            <a:schemeClr val="accent1">
-              <a:shade val="50000"/>
-            </a:schemeClr>
-          </a:lnRef>
-          <a:fillRef idx="1">
-            <a:schemeClr val="accent1"/>
-          </a:fillRef>
-          <a:effectRef idx="0">
-            <a:schemeClr val="accent1"/>
-          </a:effectRef>
-          <a:fontRef idx="minor">
-            <a:schemeClr val="lt1"/>
-          </a:fontRef>
-        </p:style>
-        <p:txBody>
-          <a:bodyPr rtlCol="0" anchor="ctr"/>
-          <a:lstStyle/>
-          <a:p>
-            <a:pPr algn="ctr"/>
-            <a:r>
-              <a:rPr lang="en-US" dirty="0">
-                <a:solidFill>
-                  <a:schemeClr val="tx1"/>
-                </a:solidFill>
-              </a:rPr>
-              <a:t>approves</a:t>
-            </a:r>
-          </a:p>
-        </p:txBody>
-      </p:sp>
-      <p:cxnSp>
-        <p:nvCxnSpPr>
-          <p:cNvPr id="100" name="Straight Arrow Connector 99">
-            <a:extLst>
-              <a:ext uri="{FF2B5EF4-FFF2-40B4-BE49-F238E27FC236}">
-                <a16:creationId xmlns:a16="http://schemas.microsoft.com/office/drawing/2014/main" id="{BCBF7476-D7C9-453E-8A5E-12C3CB7A90ED}"/>
-              </a:ext>
-            </a:extLst>
-          </p:cNvPr>
-          <p:cNvCxnSpPr>
-            <a:cxnSpLocks/>
-          </p:cNvCxnSpPr>
-          <p:nvPr/>
-        </p:nvCxnSpPr>
-        <p:spPr>
-          <a:xfrm>
-            <a:off x="4075177" y="2395276"/>
-            <a:ext cx="0" cy="1151167"/>
-          </a:xfrm>
-          <a:prstGeom prst="straightConnector1">
-            <a:avLst/>
-          </a:prstGeom>
-          <a:ln>
-            <a:tailEnd type="triangle"/>
-          </a:ln>
-        </p:spPr>
-        <p:style>
-          <a:lnRef idx="1">
-            <a:schemeClr val="dk1"/>
-          </a:lnRef>
-          <a:fillRef idx="0">
-            <a:schemeClr val="dk1"/>
-          </a:fillRef>
-          <a:effectRef idx="0">
-            <a:schemeClr val="dk1"/>
-          </a:effectRef>
-          <a:fontRef idx="minor">
-            <a:schemeClr val="tx1"/>
-          </a:fontRef>
-        </p:style>
-      </p:cxnSp>
-      <p:sp>
-        <p:nvSpPr>
-          <p:cNvPr id="101" name="Rectangle 100">
-            <a:extLst>
-              <a:ext uri="{FF2B5EF4-FFF2-40B4-BE49-F238E27FC236}">
-                <a16:creationId xmlns:a16="http://schemas.microsoft.com/office/drawing/2014/main" id="{5B6265E1-D668-458E-8C55-EFDB5E0C6E01}"/>
-              </a:ext>
-            </a:extLst>
-          </p:cNvPr>
-          <p:cNvSpPr/>
-          <p:nvPr/>
-        </p:nvSpPr>
-        <p:spPr>
-          <a:xfrm>
-            <a:off x="5814251" y="5092844"/>
+            <a:off x="3578771" y="6235667"/>
             <a:ext cx="1257300" cy="622333"/>
           </a:xfrm>
           <a:prstGeom prst="rect">
@@ -10277,160 +10497,23 @@
       </p:sp>
       <p:cxnSp>
         <p:nvCxnSpPr>
-          <p:cNvPr id="103" name="Straight Arrow Connector 102">
-            <a:extLst>
-              <a:ext uri="{FF2B5EF4-FFF2-40B4-BE49-F238E27FC236}">
-                <a16:creationId xmlns:a16="http://schemas.microsoft.com/office/drawing/2014/main" id="{4DE13DA5-0335-44F8-9BE9-BD434C2B8884}"/>
+          <p:cNvPr id="177" name="Straight Arrow Connector 176">
+            <a:extLst>
+              <a:ext uri="{FF2B5EF4-FFF2-40B4-BE49-F238E27FC236}">
+                <a16:creationId xmlns:a16="http://schemas.microsoft.com/office/drawing/2014/main" id="{B32A830A-1FD5-459E-BDC9-615792D10338}"/>
               </a:ext>
             </a:extLst>
           </p:cNvPr>
           <p:cNvCxnSpPr>
             <a:cxnSpLocks/>
-            <a:endCxn id="101" idx="0"/>
+            <a:endCxn id="176" idx="1"/>
           </p:cNvCxnSpPr>
           <p:nvPr/>
         </p:nvCxnSpPr>
         <p:spPr>
-          <a:xfrm flipH="1">
-            <a:off x="6442901" y="4187762"/>
-            <a:ext cx="23052" cy="905082"/>
-          </a:xfrm>
-          <a:prstGeom prst="straightConnector1">
-            <a:avLst/>
-          </a:prstGeom>
-          <a:ln>
-            <a:tailEnd type="triangle"/>
-          </a:ln>
-        </p:spPr>
-        <p:style>
-          <a:lnRef idx="1">
-            <a:schemeClr val="dk1"/>
-          </a:lnRef>
-          <a:fillRef idx="0">
-            <a:schemeClr val="dk1"/>
-          </a:fillRef>
-          <a:effectRef idx="0">
-            <a:schemeClr val="dk1"/>
-          </a:effectRef>
-          <a:fontRef idx="minor">
-            <a:schemeClr val="tx1"/>
-          </a:fontRef>
-        </p:style>
-      </p:cxnSp>
-      <p:sp>
-        <p:nvSpPr>
-          <p:cNvPr id="105" name="Diamond 104">
-            <a:extLst>
-              <a:ext uri="{FF2B5EF4-FFF2-40B4-BE49-F238E27FC236}">
-                <a16:creationId xmlns:a16="http://schemas.microsoft.com/office/drawing/2014/main" id="{240B044F-67B6-4D60-88F6-A89A5E34176F}"/>
-              </a:ext>
-            </a:extLst>
-          </p:cNvPr>
-          <p:cNvSpPr/>
-          <p:nvPr/>
-        </p:nvSpPr>
-        <p:spPr>
-          <a:xfrm>
-            <a:off x="5357051" y="3616262"/>
-            <a:ext cx="2171700" cy="571500"/>
-          </a:xfrm>
-          <a:prstGeom prst="diamond">
-            <a:avLst/>
-          </a:prstGeom>
-          <a:noFill/>
-        </p:spPr>
-        <p:style>
-          <a:lnRef idx="2">
-            <a:schemeClr val="accent1">
-              <a:shade val="50000"/>
-            </a:schemeClr>
-          </a:lnRef>
-          <a:fillRef idx="1">
-            <a:schemeClr val="accent1"/>
-          </a:fillRef>
-          <a:effectRef idx="0">
-            <a:schemeClr val="accent1"/>
-          </a:effectRef>
-          <a:fontRef idx="minor">
-            <a:schemeClr val="lt1"/>
-          </a:fontRef>
-        </p:style>
-        <p:txBody>
-          <a:bodyPr rtlCol="0" anchor="ctr"/>
-          <a:lstStyle/>
-          <a:p>
-            <a:pPr algn="ctr"/>
-            <a:r>
-              <a:rPr lang="en-US" dirty="0">
-                <a:solidFill>
-                  <a:schemeClr val="tx1"/>
-                </a:solidFill>
-              </a:rPr>
-              <a:t>Discard</a:t>
-            </a:r>
-          </a:p>
-        </p:txBody>
-      </p:sp>
-      <p:cxnSp>
-        <p:nvCxnSpPr>
-          <p:cNvPr id="108" name="Straight Arrow Connector 107">
-            <a:extLst>
-              <a:ext uri="{FF2B5EF4-FFF2-40B4-BE49-F238E27FC236}">
-                <a16:creationId xmlns:a16="http://schemas.microsoft.com/office/drawing/2014/main" id="{38028CE2-83CF-4A31-8AC0-60ADB1F45F9A}"/>
-              </a:ext>
-            </a:extLst>
-          </p:cNvPr>
-          <p:cNvCxnSpPr>
-            <a:cxnSpLocks/>
-            <a:endCxn id="105" idx="0"/>
-          </p:cNvCxnSpPr>
-          <p:nvPr/>
-        </p:nvCxnSpPr>
-        <p:spPr>
-          <a:xfrm>
-            <a:off x="6442901" y="2438139"/>
-            <a:ext cx="0" cy="1178123"/>
-          </a:xfrm>
-          <a:prstGeom prst="straightConnector1">
-            <a:avLst/>
-          </a:prstGeom>
-          <a:ln>
-            <a:tailEnd type="triangle"/>
-          </a:ln>
-        </p:spPr>
-        <p:style>
-          <a:lnRef idx="1">
-            <a:schemeClr val="dk1"/>
-          </a:lnRef>
-          <a:fillRef idx="0">
-            <a:schemeClr val="dk1"/>
-          </a:fillRef>
-          <a:effectRef idx="0">
-            <a:schemeClr val="dk1"/>
-          </a:effectRef>
-          <a:fontRef idx="minor">
-            <a:schemeClr val="tx1"/>
-          </a:fontRef>
-        </p:style>
-      </p:cxnSp>
-      <p:cxnSp>
-        <p:nvCxnSpPr>
-          <p:cNvPr id="109" name="Straight Arrow Connector 108">
-            <a:extLst>
-              <a:ext uri="{FF2B5EF4-FFF2-40B4-BE49-F238E27FC236}">
-                <a16:creationId xmlns:a16="http://schemas.microsoft.com/office/drawing/2014/main" id="{4F2C2BB3-05E5-4955-9749-C3F5F57CEFA1}"/>
-              </a:ext>
-            </a:extLst>
-          </p:cNvPr>
-          <p:cNvCxnSpPr>
-            <a:cxnSpLocks/>
-          </p:cNvCxnSpPr>
-          <p:nvPr/>
-        </p:nvCxnSpPr>
-        <p:spPr>
-          <a:xfrm flipH="1">
-            <a:off x="1982452" y="1550314"/>
-            <a:ext cx="2914650" cy="1792961"/>
+          <a:xfrm>
+            <a:off x="2929376" y="6244117"/>
+            <a:ext cx="649395" cy="302717"/>
           </a:xfrm>
           <a:prstGeom prst="straightConnector1">
             <a:avLst/>
@@ -10486,10 +10569,10 @@
       </p:grpSpPr>
       <p:sp>
         <p:nvSpPr>
-          <p:cNvPr id="5" name="Rectangle 4">
-            <a:extLst>
-              <a:ext uri="{FF2B5EF4-FFF2-40B4-BE49-F238E27FC236}">
-                <a16:creationId xmlns:a16="http://schemas.microsoft.com/office/drawing/2014/main" id="{A305BAB2-6B51-443A-80E4-0CFC7E537B9A}"/>
+          <p:cNvPr id="93" name="Rectangle 92">
+            <a:extLst>
+              <a:ext uri="{FF2B5EF4-FFF2-40B4-BE49-F238E27FC236}">
+                <a16:creationId xmlns:a16="http://schemas.microsoft.com/office/drawing/2014/main" id="{932FC7F7-D2B5-4832-B5CD-4D64566AD80F}"/>
               </a:ext>
             </a:extLst>
           </p:cNvPr>
@@ -10498,8 +10581,8 @@
         </p:nvSpPr>
         <p:spPr>
           <a:xfrm>
-            <a:off x="4952999" y="5042504"/>
-            <a:ext cx="1257300" cy="657225"/>
+            <a:off x="776286" y="1014411"/>
+            <a:ext cx="1206166" cy="535903"/>
           </a:xfrm>
           <a:prstGeom prst="rect">
             <a:avLst/>
@@ -10542,10 +10625,10 @@
       </p:sp>
       <p:sp>
         <p:nvSpPr>
-          <p:cNvPr id="6" name="Rectangle 5">
-            <a:extLst>
-              <a:ext uri="{FF2B5EF4-FFF2-40B4-BE49-F238E27FC236}">
-                <a16:creationId xmlns:a16="http://schemas.microsoft.com/office/drawing/2014/main" id="{1C1E7D5F-3B31-4E77-90E7-906751A202CB}"/>
+          <p:cNvPr id="102" name="Rectangle 101">
+            <a:extLst>
+              <a:ext uri="{FF2B5EF4-FFF2-40B4-BE49-F238E27FC236}">
+                <a16:creationId xmlns:a16="http://schemas.microsoft.com/office/drawing/2014/main" id="{9C34B071-44CB-4768-BE9A-1A75F04DDC13}"/>
               </a:ext>
             </a:extLst>
           </p:cNvPr>
@@ -10554,8 +10637,8 @@
         </p:nvSpPr>
         <p:spPr>
           <a:xfrm>
-            <a:off x="8705849" y="5042504"/>
-            <a:ext cx="1257300" cy="657225"/>
+            <a:off x="4529136" y="1014411"/>
+            <a:ext cx="1206166" cy="535903"/>
           </a:xfrm>
           <a:prstGeom prst="rect">
             <a:avLst/>
@@ -10598,10 +10681,10 @@
       </p:sp>
       <p:sp>
         <p:nvSpPr>
-          <p:cNvPr id="7" name="Diamond 6">
-            <a:extLst>
-              <a:ext uri="{FF2B5EF4-FFF2-40B4-BE49-F238E27FC236}">
-                <a16:creationId xmlns:a16="http://schemas.microsoft.com/office/drawing/2014/main" id="{302211A8-FD93-41E9-93C8-1ACAA4332960}"/>
+          <p:cNvPr id="104" name="Diamond 103">
+            <a:extLst>
+              <a:ext uri="{FF2B5EF4-FFF2-40B4-BE49-F238E27FC236}">
+                <a16:creationId xmlns:a16="http://schemas.microsoft.com/office/drawing/2014/main" id="{2D7874A7-241B-4A2A-B1EB-BAA096D746D1}"/>
               </a:ext>
             </a:extLst>
           </p:cNvPr>
@@ -10610,8 +10693,8 @@
         </p:nvSpPr>
         <p:spPr>
           <a:xfrm>
-            <a:off x="6372224" y="5042504"/>
-            <a:ext cx="2171700" cy="571500"/>
+            <a:off x="2195511" y="1014411"/>
+            <a:ext cx="2083378" cy="466003"/>
           </a:xfrm>
           <a:prstGeom prst="diamond">
             <a:avLst/>
@@ -10645,30 +10728,30 @@
                   <a:schemeClr val="tx1"/>
                 </a:solidFill>
               </a:rPr>
-              <a:t>Purchase</a:t>
+              <a:t>R1</a:t>
             </a:r>
           </a:p>
         </p:txBody>
       </p:sp>
       <p:cxnSp>
         <p:nvCxnSpPr>
-          <p:cNvPr id="8" name="Straight Arrow Connector 7">
-            <a:extLst>
-              <a:ext uri="{FF2B5EF4-FFF2-40B4-BE49-F238E27FC236}">
-                <a16:creationId xmlns:a16="http://schemas.microsoft.com/office/drawing/2014/main" id="{6FCF2EEC-A855-4A2E-9FA1-83AFDEE918F4}"/>
+          <p:cNvPr id="106" name="Straight Arrow Connector 105">
+            <a:extLst>
+              <a:ext uri="{FF2B5EF4-FFF2-40B4-BE49-F238E27FC236}">
+                <a16:creationId xmlns:a16="http://schemas.microsoft.com/office/drawing/2014/main" id="{B726F643-843C-4671-AF18-89DCB1A0F490}"/>
               </a:ext>
             </a:extLst>
           </p:cNvPr>
           <p:cNvCxnSpPr>
             <a:cxnSpLocks/>
-            <a:stCxn id="7" idx="1"/>
+            <a:stCxn id="104" idx="1"/>
           </p:cNvCxnSpPr>
           <p:nvPr/>
         </p:nvCxnSpPr>
         <p:spPr>
           <a:xfrm flipH="1">
-            <a:off x="6210300" y="5328254"/>
-            <a:ext cx="161924" cy="1"/>
+            <a:off x="2033587" y="1247413"/>
+            <a:ext cx="161924" cy="52749"/>
           </a:xfrm>
           <a:prstGeom prst="straightConnector1">
             <a:avLst/>
@@ -10694,23 +10777,23 @@
       </p:cxnSp>
       <p:cxnSp>
         <p:nvCxnSpPr>
-          <p:cNvPr id="9" name="Straight Arrow Connector 8">
-            <a:extLst>
-              <a:ext uri="{FF2B5EF4-FFF2-40B4-BE49-F238E27FC236}">
-                <a16:creationId xmlns:a16="http://schemas.microsoft.com/office/drawing/2014/main" id="{98CE5308-2B88-4B5B-BAFE-8803DD4284F6}"/>
+          <p:cNvPr id="107" name="Straight Arrow Connector 106">
+            <a:extLst>
+              <a:ext uri="{FF2B5EF4-FFF2-40B4-BE49-F238E27FC236}">
+                <a16:creationId xmlns:a16="http://schemas.microsoft.com/office/drawing/2014/main" id="{2158AF77-E8CE-4AAE-9325-BAAA461F9DBB}"/>
               </a:ext>
             </a:extLst>
           </p:cNvPr>
           <p:cNvCxnSpPr>
             <a:cxnSpLocks/>
-            <a:stCxn id="7" idx="3"/>
+            <a:stCxn id="104" idx="3"/>
           </p:cNvCxnSpPr>
           <p:nvPr/>
         </p:nvCxnSpPr>
         <p:spPr>
           <a:xfrm>
-            <a:off x="8543924" y="5328254"/>
-            <a:ext cx="161924" cy="0"/>
+            <a:off x="4278889" y="1247413"/>
+            <a:ext cx="250246" cy="52748"/>
           </a:xfrm>
           <a:prstGeom prst="straightConnector1">
             <a:avLst/>
@@ -10734,12 +10817,54 @@
           </a:fontRef>
         </p:style>
       </p:cxnSp>
-      <p:sp>
-        <p:nvSpPr>
-          <p:cNvPr id="11" name="Diamond 10">
-            <a:extLst>
-              <a:ext uri="{FF2B5EF4-FFF2-40B4-BE49-F238E27FC236}">
-                <a16:creationId xmlns:a16="http://schemas.microsoft.com/office/drawing/2014/main" id="{E5FC84C2-9AA1-4F7A-A0E6-2780778CBF5A}"/>
+      <p:cxnSp>
+        <p:nvCxnSpPr>
+          <p:cNvPr id="149" name="Straight Arrow Connector 148">
+            <a:extLst>
+              <a:ext uri="{FF2B5EF4-FFF2-40B4-BE49-F238E27FC236}">
+                <a16:creationId xmlns:a16="http://schemas.microsoft.com/office/drawing/2014/main" id="{F5DF774D-EF0D-46BB-9C6F-8885FE89D31C}"/>
+              </a:ext>
+            </a:extLst>
+          </p:cNvPr>
+          <p:cNvCxnSpPr>
+            <a:cxnSpLocks/>
+            <a:endCxn id="150" idx="0"/>
+          </p:cNvCxnSpPr>
+          <p:nvPr/>
+        </p:nvCxnSpPr>
+        <p:spPr>
+          <a:xfrm>
+            <a:off x="3834060" y="2169475"/>
+            <a:ext cx="0" cy="804022"/>
+          </a:xfrm>
+          <a:prstGeom prst="straightConnector1">
+            <a:avLst/>
+          </a:prstGeom>
+          <a:ln>
+            <a:tailEnd type="triangle"/>
+          </a:ln>
+        </p:spPr>
+        <p:style>
+          <a:lnRef idx="1">
+            <a:schemeClr val="dk1"/>
+          </a:lnRef>
+          <a:fillRef idx="0">
+            <a:schemeClr val="dk1"/>
+          </a:fillRef>
+          <a:effectRef idx="0">
+            <a:schemeClr val="dk1"/>
+          </a:effectRef>
+          <a:fontRef idx="minor">
+            <a:schemeClr val="tx1"/>
+          </a:fontRef>
+        </p:style>
+      </p:cxnSp>
+      <p:sp>
+        <p:nvSpPr>
+          <p:cNvPr id="150" name="Diamond 149">
+            <a:extLst>
+              <a:ext uri="{FF2B5EF4-FFF2-40B4-BE49-F238E27FC236}">
+                <a16:creationId xmlns:a16="http://schemas.microsoft.com/office/drawing/2014/main" id="{0750AA25-4405-4E0F-A10E-661FB4927F3A}"/>
               </a:ext>
             </a:extLst>
           </p:cNvPr>
@@ -10748,92 +10873,175 @@
         </p:nvSpPr>
         <p:spPr>
           <a:xfrm>
-            <a:off x="6428839" y="3073395"/>
-            <a:ext cx="1756924" cy="659974"/>
+            <a:off x="2872285" y="2973497"/>
+            <a:ext cx="1923550" cy="656481"/>
           </a:xfrm>
           <a:prstGeom prst="diamond">
             <a:avLst/>
           </a:prstGeom>
+          <a:noFill/>
+        </p:spPr>
+        <p:style>
+          <a:lnRef idx="2">
+            <a:schemeClr val="accent1">
+              <a:shade val="50000"/>
+            </a:schemeClr>
+          </a:lnRef>
+          <a:fillRef idx="1">
+            <a:schemeClr val="accent1"/>
+          </a:fillRef>
+          <a:effectRef idx="0">
+            <a:schemeClr val="accent1"/>
+          </a:effectRef>
+          <a:fontRef idx="minor">
+            <a:schemeClr val="lt1"/>
+          </a:fontRef>
+        </p:style>
+        <p:txBody>
+          <a:bodyPr rtlCol="0" anchor="ctr"/>
+          <a:lstStyle/>
+          <a:p>
+            <a:pPr algn="ctr"/>
+            <a:r>
+              <a:rPr lang="en-US" sz="2000" dirty="0">
+                <a:solidFill>
+                  <a:schemeClr val="tx1"/>
+                </a:solidFill>
+              </a:rPr>
+              <a:t>review</a:t>
+            </a:r>
+            <a:endParaRPr lang="en-US" dirty="0">
+              <a:solidFill>
+                <a:schemeClr val="tx1"/>
+              </a:solidFill>
+            </a:endParaRPr>
+          </a:p>
+        </p:txBody>
+      </p:sp>
+      <p:cxnSp>
+        <p:nvCxnSpPr>
+          <p:cNvPr id="151" name="Connector: Elbow 150">
+            <a:extLst>
+              <a:ext uri="{FF2B5EF4-FFF2-40B4-BE49-F238E27FC236}">
+                <a16:creationId xmlns:a16="http://schemas.microsoft.com/office/drawing/2014/main" id="{E394DBD3-202E-4A0A-A762-8A82D8A74BB9}"/>
+              </a:ext>
+            </a:extLst>
+          </p:cNvPr>
+          <p:cNvCxnSpPr>
+            <a:cxnSpLocks/>
+            <a:endCxn id="150" idx="2"/>
+          </p:cNvCxnSpPr>
+          <p:nvPr/>
+        </p:nvCxnSpPr>
+        <p:spPr>
+          <a:xfrm rot="5400000">
+            <a:off x="3510910" y="1856313"/>
+            <a:ext cx="2096815" cy="1450514"/>
+          </a:xfrm>
+          <a:prstGeom prst="bentConnector3">
+            <a:avLst>
+              <a:gd name="adj1" fmla="val 110902"/>
+            </a:avLst>
+          </a:prstGeom>
+          <a:ln>
+            <a:tailEnd type="triangle"/>
+          </a:ln>
+        </p:spPr>
+        <p:style>
+          <a:lnRef idx="1">
+            <a:schemeClr val="dk1"/>
+          </a:lnRef>
+          <a:fillRef idx="0">
+            <a:schemeClr val="dk1"/>
+          </a:fillRef>
+          <a:effectRef idx="0">
+            <a:schemeClr val="dk1"/>
+          </a:effectRef>
+          <a:fontRef idx="minor">
+            <a:schemeClr val="tx1"/>
+          </a:fontRef>
+        </p:style>
+      </p:cxnSp>
+      <p:sp>
+        <p:nvSpPr>
+          <p:cNvPr id="2" name="TextBox 1">
+            <a:extLst>
+              <a:ext uri="{FF2B5EF4-FFF2-40B4-BE49-F238E27FC236}">
+                <a16:creationId xmlns:a16="http://schemas.microsoft.com/office/drawing/2014/main" id="{AE85C2AC-5177-499B-94E9-6CC71288A77C}"/>
+              </a:ext>
+            </a:extLst>
+          </p:cNvPr>
+          <p:cNvSpPr txBox="1"/>
+          <p:nvPr/>
+        </p:nvSpPr>
+        <p:spPr>
+          <a:xfrm>
+            <a:off x="266713" y="438150"/>
+            <a:ext cx="6429362" cy="1731325"/>
+          </a:xfrm>
+          <a:prstGeom prst="rect">
+            <a:avLst/>
+          </a:prstGeom>
+          <a:noFill/>
           <a:ln>
             <a:solidFill>
               <a:schemeClr val="tx1"/>
             </a:solidFill>
           </a:ln>
         </p:spPr>
-        <p:style>
-          <a:lnRef idx="2">
-            <a:schemeClr val="accent6"/>
-          </a:lnRef>
-          <a:fillRef idx="1">
-            <a:schemeClr val="lt1"/>
-          </a:fillRef>
-          <a:effectRef idx="0">
-            <a:schemeClr val="accent6"/>
-          </a:effectRef>
-          <a:fontRef idx="minor">
-            <a:schemeClr val="dk1"/>
-          </a:fontRef>
-        </p:style>
-        <p:txBody>
-          <a:bodyPr rtlCol="0" anchor="ctr"/>
-          <a:lstStyle/>
-          <a:p>
-            <a:pPr algn="ctr"/>
-            <a:r>
-              <a:rPr lang="en-US" dirty="0"/>
-              <a:t>likes</a:t>
-            </a:r>
-          </a:p>
-        </p:txBody>
-      </p:sp>
-      <p:cxnSp>
-        <p:nvCxnSpPr>
-          <p:cNvPr id="12" name="Straight Arrow Connector 11">
-            <a:extLst>
-              <a:ext uri="{FF2B5EF4-FFF2-40B4-BE49-F238E27FC236}">
-                <a16:creationId xmlns:a16="http://schemas.microsoft.com/office/drawing/2014/main" id="{F16F0C5B-2301-491B-8CE1-2F37A174A939}"/>
-              </a:ext>
-            </a:extLst>
-          </p:cNvPr>
-          <p:cNvCxnSpPr>
-            <a:cxnSpLocks/>
-            <a:endCxn id="17" idx="0"/>
-          </p:cNvCxnSpPr>
-          <p:nvPr/>
-        </p:nvCxnSpPr>
-        <p:spPr>
-          <a:xfrm>
-            <a:off x="7327978" y="3715274"/>
-            <a:ext cx="21946" cy="532876"/>
-          </a:xfrm>
-          <a:prstGeom prst="straightConnector1">
-            <a:avLst/>
-          </a:prstGeom>
+        <p:txBody>
+          <a:bodyPr wrap="square" rtlCol="0">
+            <a:spAutoFit/>
+          </a:bodyPr>
+          <a:lstStyle/>
+          <a:p>
+            <a:endParaRPr lang="en-US" dirty="0"/>
+          </a:p>
+        </p:txBody>
+      </p:sp>
+      <p:sp>
+        <p:nvSpPr>
+          <p:cNvPr id="4" name="TextBox 3">
+            <a:extLst>
+              <a:ext uri="{FF2B5EF4-FFF2-40B4-BE49-F238E27FC236}">
+                <a16:creationId xmlns:a16="http://schemas.microsoft.com/office/drawing/2014/main" id="{506F950C-BDC2-464A-988E-CB5CD898E678}"/>
+              </a:ext>
+            </a:extLst>
+          </p:cNvPr>
+          <p:cNvSpPr txBox="1"/>
+          <p:nvPr/>
+        </p:nvSpPr>
+        <p:spPr>
+          <a:xfrm>
+            <a:off x="123825" y="247650"/>
+            <a:ext cx="7296150" cy="3990975"/>
+          </a:xfrm>
+          <a:prstGeom prst="rect">
+            <a:avLst/>
+          </a:prstGeom>
+          <a:noFill/>
           <a:ln>
-            <a:tailEnd type="triangle"/>
+            <a:solidFill>
+              <a:schemeClr val="tx1"/>
+            </a:solidFill>
           </a:ln>
         </p:spPr>
-        <p:style>
-          <a:lnRef idx="1">
-            <a:schemeClr val="dk1"/>
-          </a:lnRef>
-          <a:fillRef idx="0">
-            <a:schemeClr val="dk1"/>
-          </a:fillRef>
-          <a:effectRef idx="0">
-            <a:schemeClr val="dk1"/>
-          </a:effectRef>
-          <a:fontRef idx="minor">
-            <a:schemeClr val="tx1"/>
-          </a:fontRef>
-        </p:style>
-      </p:cxnSp>
-      <p:sp>
-        <p:nvSpPr>
-          <p:cNvPr id="13" name="Rectangle 12">
-            <a:extLst>
-              <a:ext uri="{FF2B5EF4-FFF2-40B4-BE49-F238E27FC236}">
-                <a16:creationId xmlns:a16="http://schemas.microsoft.com/office/drawing/2014/main" id="{F498C37A-C6D1-4607-9596-E8B040C030D4}"/>
+        <p:txBody>
+          <a:bodyPr wrap="square" rtlCol="0">
+            <a:spAutoFit/>
+          </a:bodyPr>
+          <a:lstStyle/>
+          <a:p>
+            <a:endParaRPr lang="en-US" dirty="0"/>
+          </a:p>
+        </p:txBody>
+      </p:sp>
+      <p:sp>
+        <p:nvSpPr>
+          <p:cNvPr id="37" name="Rectangle 36">
+            <a:extLst>
+              <a:ext uri="{FF2B5EF4-FFF2-40B4-BE49-F238E27FC236}">
+                <a16:creationId xmlns:a16="http://schemas.microsoft.com/office/drawing/2014/main" id="{3B4C1996-FEE9-4EBA-B0B5-9058904A4FCD}"/>
               </a:ext>
             </a:extLst>
           </p:cNvPr>
@@ -10842,8 +11050,8 @@
         </p:nvSpPr>
         <p:spPr>
           <a:xfrm>
-            <a:off x="6750089" y="1846260"/>
-            <a:ext cx="1114425" cy="590550"/>
+            <a:off x="2980886" y="6108683"/>
+            <a:ext cx="1257300" cy="622333"/>
           </a:xfrm>
           <a:prstGeom prst="rect">
             <a:avLst/>
@@ -10879,29 +11087,31 @@
                   <a:schemeClr val="tx1"/>
                 </a:solidFill>
               </a:rPr>
-              <a:t>User</a:t>
+              <a:t>admin</a:t>
             </a:r>
           </a:p>
         </p:txBody>
       </p:sp>
       <p:cxnSp>
         <p:nvCxnSpPr>
-          <p:cNvPr id="14" name="Straight Arrow Connector 13">
-            <a:extLst>
-              <a:ext uri="{FF2B5EF4-FFF2-40B4-BE49-F238E27FC236}">
-                <a16:creationId xmlns:a16="http://schemas.microsoft.com/office/drawing/2014/main" id="{5299EF2B-019F-4370-B171-A67932C74807}"/>
+          <p:cNvPr id="38" name="Straight Arrow Connector 37">
+            <a:extLst>
+              <a:ext uri="{FF2B5EF4-FFF2-40B4-BE49-F238E27FC236}">
+                <a16:creationId xmlns:a16="http://schemas.microsoft.com/office/drawing/2014/main" id="{CE1A6A68-0955-4B05-A9C0-7A2964236EE2}"/>
               </a:ext>
             </a:extLst>
           </p:cNvPr>
           <p:cNvCxnSpPr>
             <a:cxnSpLocks/>
+            <a:stCxn id="37" idx="0"/>
+            <a:endCxn id="42" idx="2"/>
           </p:cNvCxnSpPr>
           <p:nvPr/>
         </p:nvCxnSpPr>
         <p:spPr>
-          <a:xfrm>
-            <a:off x="7308928" y="2436810"/>
-            <a:ext cx="0" cy="638550"/>
+          <a:xfrm flipV="1">
+            <a:off x="3609536" y="5648364"/>
+            <a:ext cx="14479" cy="460319"/>
           </a:xfrm>
           <a:prstGeom prst="straightConnector1">
             <a:avLst/>
@@ -10927,6 +11137,476 @@
       </p:cxnSp>
       <p:sp>
         <p:nvSpPr>
+          <p:cNvPr id="42" name="Diamond 41">
+            <a:extLst>
+              <a:ext uri="{FF2B5EF4-FFF2-40B4-BE49-F238E27FC236}">
+                <a16:creationId xmlns:a16="http://schemas.microsoft.com/office/drawing/2014/main" id="{0572DC9E-412D-4AAD-A02C-4344D8DB6B8B}"/>
+              </a:ext>
+            </a:extLst>
+          </p:cNvPr>
+          <p:cNvSpPr/>
+          <p:nvPr/>
+        </p:nvSpPr>
+        <p:spPr>
+          <a:xfrm>
+            <a:off x="2600324" y="4874938"/>
+            <a:ext cx="2047381" cy="773426"/>
+          </a:xfrm>
+          <a:prstGeom prst="diamond">
+            <a:avLst/>
+          </a:prstGeom>
+          <a:noFill/>
+        </p:spPr>
+        <p:style>
+          <a:lnRef idx="2">
+            <a:schemeClr val="accent1">
+              <a:shade val="50000"/>
+            </a:schemeClr>
+          </a:lnRef>
+          <a:fillRef idx="1">
+            <a:schemeClr val="accent1"/>
+          </a:fillRef>
+          <a:effectRef idx="0">
+            <a:schemeClr val="accent1"/>
+          </a:effectRef>
+          <a:fontRef idx="minor">
+            <a:schemeClr val="lt1"/>
+          </a:fontRef>
+        </p:style>
+        <p:txBody>
+          <a:bodyPr rtlCol="0" anchor="ctr"/>
+          <a:lstStyle/>
+          <a:p>
+            <a:pPr algn="ctr"/>
+            <a:r>
+              <a:rPr lang="en-US" dirty="0">
+                <a:solidFill>
+                  <a:schemeClr val="tx1"/>
+                </a:solidFill>
+              </a:rPr>
+              <a:t>Discard/Approve</a:t>
+            </a:r>
+          </a:p>
+        </p:txBody>
+      </p:sp>
+      <p:cxnSp>
+        <p:nvCxnSpPr>
+          <p:cNvPr id="43" name="Straight Arrow Connector 42">
+            <a:extLst>
+              <a:ext uri="{FF2B5EF4-FFF2-40B4-BE49-F238E27FC236}">
+                <a16:creationId xmlns:a16="http://schemas.microsoft.com/office/drawing/2014/main" id="{1553BCBA-664A-43B2-B5C7-EF56EBC138B4}"/>
+              </a:ext>
+            </a:extLst>
+          </p:cNvPr>
+          <p:cNvCxnSpPr>
+            <a:cxnSpLocks/>
+            <a:endCxn id="42" idx="0"/>
+          </p:cNvCxnSpPr>
+          <p:nvPr/>
+        </p:nvCxnSpPr>
+        <p:spPr>
+          <a:xfrm flipH="1">
+            <a:off x="3624015" y="4217468"/>
+            <a:ext cx="96898" cy="657470"/>
+          </a:xfrm>
+          <a:prstGeom prst="straightConnector1">
+            <a:avLst/>
+          </a:prstGeom>
+          <a:ln>
+            <a:tailEnd type="triangle"/>
+          </a:ln>
+        </p:spPr>
+        <p:style>
+          <a:lnRef idx="1">
+            <a:schemeClr val="dk1"/>
+          </a:lnRef>
+          <a:fillRef idx="0">
+            <a:schemeClr val="dk1"/>
+          </a:fillRef>
+          <a:effectRef idx="0">
+            <a:schemeClr val="dk1"/>
+          </a:effectRef>
+          <a:fontRef idx="minor">
+            <a:schemeClr val="tx1"/>
+          </a:fontRef>
+        </p:style>
+      </p:cxnSp>
+    </p:spTree>
+    <p:extLst>
+      <p:ext uri="{BB962C8B-B14F-4D97-AF65-F5344CB8AC3E}">
+        <p14:creationId xmlns:p14="http://schemas.microsoft.com/office/powerpoint/2010/main" val="787528553"/>
+      </p:ext>
+    </p:extLst>
+  </p:cSld>
+  <p:clrMapOvr>
+    <a:masterClrMapping/>
+  </p:clrMapOvr>
+</p:sld>
+</file>
+
+<file path=ppt/slides/slide8.xml><?xml version="1.0" encoding="utf-8"?>
+<p:sld xmlns:a="http://schemas.openxmlformats.org/drawingml/2006/main" xmlns:r="http://schemas.openxmlformats.org/officeDocument/2006/relationships" xmlns:p="http://schemas.openxmlformats.org/presentationml/2006/main">
+  <p:cSld>
+    <p:spTree>
+      <p:nvGrpSpPr>
+        <p:cNvPr id="1" name=""/>
+        <p:cNvGrpSpPr/>
+        <p:nvPr/>
+      </p:nvGrpSpPr>
+      <p:grpSpPr>
+        <a:xfrm>
+          <a:off x="0" y="0"/>
+          <a:ext cx="0" cy="0"/>
+          <a:chOff x="0" y="0"/>
+          <a:chExt cx="0" cy="0"/>
+        </a:xfrm>
+      </p:grpSpPr>
+      <p:sp>
+        <p:nvSpPr>
+          <p:cNvPr id="5" name="Rectangle 4">
+            <a:extLst>
+              <a:ext uri="{FF2B5EF4-FFF2-40B4-BE49-F238E27FC236}">
+                <a16:creationId xmlns:a16="http://schemas.microsoft.com/office/drawing/2014/main" id="{A305BAB2-6B51-443A-80E4-0CFC7E537B9A}"/>
+              </a:ext>
+            </a:extLst>
+          </p:cNvPr>
+          <p:cNvSpPr/>
+          <p:nvPr/>
+        </p:nvSpPr>
+        <p:spPr>
+          <a:xfrm>
+            <a:off x="4952999" y="5042504"/>
+            <a:ext cx="1257300" cy="657225"/>
+          </a:xfrm>
+          <a:prstGeom prst="rect">
+            <a:avLst/>
+          </a:prstGeom>
+          <a:solidFill>
+            <a:schemeClr val="bg1"/>
+          </a:solidFill>
+        </p:spPr>
+        <p:style>
+          <a:lnRef idx="2">
+            <a:schemeClr val="accent1">
+              <a:shade val="50000"/>
+            </a:schemeClr>
+          </a:lnRef>
+          <a:fillRef idx="1">
+            <a:schemeClr val="accent1"/>
+          </a:fillRef>
+          <a:effectRef idx="0">
+            <a:schemeClr val="accent1"/>
+          </a:effectRef>
+          <a:fontRef idx="minor">
+            <a:schemeClr val="lt1"/>
+          </a:fontRef>
+        </p:style>
+        <p:txBody>
+          <a:bodyPr rtlCol="0" anchor="ctr"/>
+          <a:lstStyle/>
+          <a:p>
+            <a:pPr algn="ctr"/>
+            <a:r>
+              <a:rPr lang="en-US" dirty="0">
+                <a:solidFill>
+                  <a:schemeClr val="tx1"/>
+                </a:solidFill>
+              </a:rPr>
+              <a:t>user</a:t>
+            </a:r>
+          </a:p>
+        </p:txBody>
+      </p:sp>
+      <p:sp>
+        <p:nvSpPr>
+          <p:cNvPr id="6" name="Rectangle 5">
+            <a:extLst>
+              <a:ext uri="{FF2B5EF4-FFF2-40B4-BE49-F238E27FC236}">
+                <a16:creationId xmlns:a16="http://schemas.microsoft.com/office/drawing/2014/main" id="{1C1E7D5F-3B31-4E77-90E7-906751A202CB}"/>
+              </a:ext>
+            </a:extLst>
+          </p:cNvPr>
+          <p:cNvSpPr/>
+          <p:nvPr/>
+        </p:nvSpPr>
+        <p:spPr>
+          <a:xfrm>
+            <a:off x="8705849" y="5042504"/>
+            <a:ext cx="1257300" cy="657225"/>
+          </a:xfrm>
+          <a:prstGeom prst="rect">
+            <a:avLst/>
+          </a:prstGeom>
+          <a:solidFill>
+            <a:schemeClr val="bg1"/>
+          </a:solidFill>
+        </p:spPr>
+        <p:style>
+          <a:lnRef idx="2">
+            <a:schemeClr val="accent1">
+              <a:shade val="50000"/>
+            </a:schemeClr>
+          </a:lnRef>
+          <a:fillRef idx="1">
+            <a:schemeClr val="accent1"/>
+          </a:fillRef>
+          <a:effectRef idx="0">
+            <a:schemeClr val="accent1"/>
+          </a:effectRef>
+          <a:fontRef idx="minor">
+            <a:schemeClr val="lt1"/>
+          </a:fontRef>
+        </p:style>
+        <p:txBody>
+          <a:bodyPr rtlCol="0" anchor="ctr"/>
+          <a:lstStyle/>
+          <a:p>
+            <a:pPr algn="ctr"/>
+            <a:r>
+              <a:rPr lang="en-US" dirty="0">
+                <a:solidFill>
+                  <a:schemeClr val="tx1"/>
+                </a:solidFill>
+              </a:rPr>
+              <a:t>E-book</a:t>
+            </a:r>
+          </a:p>
+        </p:txBody>
+      </p:sp>
+      <p:sp>
+        <p:nvSpPr>
+          <p:cNvPr id="7" name="Diamond 6">
+            <a:extLst>
+              <a:ext uri="{FF2B5EF4-FFF2-40B4-BE49-F238E27FC236}">
+                <a16:creationId xmlns:a16="http://schemas.microsoft.com/office/drawing/2014/main" id="{302211A8-FD93-41E9-93C8-1ACAA4332960}"/>
+              </a:ext>
+            </a:extLst>
+          </p:cNvPr>
+          <p:cNvSpPr/>
+          <p:nvPr/>
+        </p:nvSpPr>
+        <p:spPr>
+          <a:xfrm>
+            <a:off x="6372224" y="5042504"/>
+            <a:ext cx="2171700" cy="571500"/>
+          </a:xfrm>
+          <a:prstGeom prst="diamond">
+            <a:avLst/>
+          </a:prstGeom>
+          <a:noFill/>
+        </p:spPr>
+        <p:style>
+          <a:lnRef idx="2">
+            <a:schemeClr val="accent1">
+              <a:shade val="50000"/>
+            </a:schemeClr>
+          </a:lnRef>
+          <a:fillRef idx="1">
+            <a:schemeClr val="accent1"/>
+          </a:fillRef>
+          <a:effectRef idx="0">
+            <a:schemeClr val="accent1"/>
+          </a:effectRef>
+          <a:fontRef idx="minor">
+            <a:schemeClr val="lt1"/>
+          </a:fontRef>
+        </p:style>
+        <p:txBody>
+          <a:bodyPr rtlCol="0" anchor="ctr"/>
+          <a:lstStyle/>
+          <a:p>
+            <a:pPr algn="ctr"/>
+            <a:r>
+              <a:rPr lang="en-US" dirty="0">
+                <a:solidFill>
+                  <a:schemeClr val="tx1"/>
+                </a:solidFill>
+              </a:rPr>
+              <a:t>R1</a:t>
+            </a:r>
+          </a:p>
+        </p:txBody>
+      </p:sp>
+      <p:cxnSp>
+        <p:nvCxnSpPr>
+          <p:cNvPr id="8" name="Straight Arrow Connector 7">
+            <a:extLst>
+              <a:ext uri="{FF2B5EF4-FFF2-40B4-BE49-F238E27FC236}">
+                <a16:creationId xmlns:a16="http://schemas.microsoft.com/office/drawing/2014/main" id="{6FCF2EEC-A855-4A2E-9FA1-83AFDEE918F4}"/>
+              </a:ext>
+            </a:extLst>
+          </p:cNvPr>
+          <p:cNvCxnSpPr>
+            <a:cxnSpLocks/>
+            <a:stCxn id="7" idx="1"/>
+          </p:cNvCxnSpPr>
+          <p:nvPr/>
+        </p:nvCxnSpPr>
+        <p:spPr>
+          <a:xfrm flipH="1">
+            <a:off x="6210300" y="5328254"/>
+            <a:ext cx="161924" cy="1"/>
+          </a:xfrm>
+          <a:prstGeom prst="straightConnector1">
+            <a:avLst/>
+          </a:prstGeom>
+          <a:ln>
+            <a:tailEnd type="triangle"/>
+          </a:ln>
+        </p:spPr>
+        <p:style>
+          <a:lnRef idx="1">
+            <a:schemeClr val="dk1"/>
+          </a:lnRef>
+          <a:fillRef idx="0">
+            <a:schemeClr val="dk1"/>
+          </a:fillRef>
+          <a:effectRef idx="0">
+            <a:schemeClr val="dk1"/>
+          </a:effectRef>
+          <a:fontRef idx="minor">
+            <a:schemeClr val="tx1"/>
+          </a:fontRef>
+        </p:style>
+      </p:cxnSp>
+      <p:cxnSp>
+        <p:nvCxnSpPr>
+          <p:cNvPr id="9" name="Straight Arrow Connector 8">
+            <a:extLst>
+              <a:ext uri="{FF2B5EF4-FFF2-40B4-BE49-F238E27FC236}">
+                <a16:creationId xmlns:a16="http://schemas.microsoft.com/office/drawing/2014/main" id="{98CE5308-2B88-4B5B-BAFE-8803DD4284F6}"/>
+              </a:ext>
+            </a:extLst>
+          </p:cNvPr>
+          <p:cNvCxnSpPr>
+            <a:cxnSpLocks/>
+            <a:stCxn id="7" idx="3"/>
+          </p:cNvCxnSpPr>
+          <p:nvPr/>
+        </p:nvCxnSpPr>
+        <p:spPr>
+          <a:xfrm>
+            <a:off x="8543924" y="5328254"/>
+            <a:ext cx="161924" cy="0"/>
+          </a:xfrm>
+          <a:prstGeom prst="straightConnector1">
+            <a:avLst/>
+          </a:prstGeom>
+          <a:ln>
+            <a:tailEnd type="triangle"/>
+          </a:ln>
+        </p:spPr>
+        <p:style>
+          <a:lnRef idx="1">
+            <a:schemeClr val="dk1"/>
+          </a:lnRef>
+          <a:fillRef idx="0">
+            <a:schemeClr val="dk1"/>
+          </a:fillRef>
+          <a:effectRef idx="0">
+            <a:schemeClr val="dk1"/>
+          </a:effectRef>
+          <a:fontRef idx="minor">
+            <a:schemeClr val="tx1"/>
+          </a:fontRef>
+        </p:style>
+      </p:cxnSp>
+      <p:sp>
+        <p:nvSpPr>
+          <p:cNvPr id="11" name="Diamond 10">
+            <a:extLst>
+              <a:ext uri="{FF2B5EF4-FFF2-40B4-BE49-F238E27FC236}">
+                <a16:creationId xmlns:a16="http://schemas.microsoft.com/office/drawing/2014/main" id="{E5FC84C2-9AA1-4F7A-A0E6-2780778CBF5A}"/>
+              </a:ext>
+            </a:extLst>
+          </p:cNvPr>
+          <p:cNvSpPr/>
+          <p:nvPr/>
+        </p:nvSpPr>
+        <p:spPr>
+          <a:xfrm>
+            <a:off x="6224294" y="3210242"/>
+            <a:ext cx="1756924" cy="659974"/>
+          </a:xfrm>
+          <a:prstGeom prst="diamond">
+            <a:avLst/>
+          </a:prstGeom>
+          <a:ln>
+            <a:solidFill>
+              <a:schemeClr val="tx1"/>
+            </a:solidFill>
+          </a:ln>
+        </p:spPr>
+        <p:style>
+          <a:lnRef idx="2">
+            <a:schemeClr val="accent6"/>
+          </a:lnRef>
+          <a:fillRef idx="1">
+            <a:schemeClr val="lt1"/>
+          </a:fillRef>
+          <a:effectRef idx="0">
+            <a:schemeClr val="accent6"/>
+          </a:effectRef>
+          <a:fontRef idx="minor">
+            <a:schemeClr val="dk1"/>
+          </a:fontRef>
+        </p:style>
+        <p:txBody>
+          <a:bodyPr rtlCol="0" anchor="ctr"/>
+          <a:lstStyle/>
+          <a:p>
+            <a:pPr algn="ctr"/>
+            <a:r>
+              <a:rPr lang="en-US" dirty="0"/>
+              <a:t>likes</a:t>
+            </a:r>
+          </a:p>
+        </p:txBody>
+      </p:sp>
+      <p:cxnSp>
+        <p:nvCxnSpPr>
+          <p:cNvPr id="12" name="Straight Arrow Connector 11">
+            <a:extLst>
+              <a:ext uri="{FF2B5EF4-FFF2-40B4-BE49-F238E27FC236}">
+                <a16:creationId xmlns:a16="http://schemas.microsoft.com/office/drawing/2014/main" id="{F16F0C5B-2301-491B-8CE1-2F37A174A939}"/>
+              </a:ext>
+            </a:extLst>
+          </p:cNvPr>
+          <p:cNvCxnSpPr>
+            <a:cxnSpLocks/>
+            <a:endCxn id="17" idx="0"/>
+          </p:cNvCxnSpPr>
+          <p:nvPr/>
+        </p:nvCxnSpPr>
+        <p:spPr>
+          <a:xfrm>
+            <a:off x="7102756" y="3959242"/>
+            <a:ext cx="21946" cy="532876"/>
+          </a:xfrm>
+          <a:prstGeom prst="straightConnector1">
+            <a:avLst/>
+          </a:prstGeom>
+          <a:ln>
+            <a:tailEnd type="triangle"/>
+          </a:ln>
+        </p:spPr>
+        <p:style>
+          <a:lnRef idx="1">
+            <a:schemeClr val="dk1"/>
+          </a:lnRef>
+          <a:fillRef idx="0">
+            <a:schemeClr val="dk1"/>
+          </a:fillRef>
+          <a:effectRef idx="0">
+            <a:schemeClr val="dk1"/>
+          </a:effectRef>
+          <a:fontRef idx="minor">
+            <a:schemeClr val="tx1"/>
+          </a:fontRef>
+        </p:style>
+      </p:cxnSp>
+      <p:sp>
+        <p:nvSpPr>
           <p:cNvPr id="17" name="TextBox 16">
             <a:extLst>
               <a:ext uri="{FF2B5EF4-FFF2-40B4-BE49-F238E27FC236}">
@@ -10939,7 +11619,7 @@
         </p:nvSpPr>
         <p:spPr>
           <a:xfrm>
-            <a:off x="4133850" y="4248150"/>
+            <a:off x="3908628" y="4492118"/>
             <a:ext cx="6432147" cy="2057400"/>
           </a:xfrm>
           <a:prstGeom prst="rect">
@@ -10964,10 +11644,150 @@
       </p:sp>
       <p:sp>
         <p:nvSpPr>
-          <p:cNvPr id="19" name="TextBox 18">
-            <a:extLst>
-              <a:ext uri="{FF2B5EF4-FFF2-40B4-BE49-F238E27FC236}">
-                <a16:creationId xmlns:a16="http://schemas.microsoft.com/office/drawing/2014/main" id="{BD87B0AB-020D-47FB-A1C7-9CB9ECEA95A0}"/>
+          <p:cNvPr id="22" name="Diamond 21">
+            <a:extLst>
+              <a:ext uri="{FF2B5EF4-FFF2-40B4-BE49-F238E27FC236}">
+                <a16:creationId xmlns:a16="http://schemas.microsoft.com/office/drawing/2014/main" id="{5B3AA504-E738-4C6B-8964-DD871D14147B}"/>
+              </a:ext>
+            </a:extLst>
+          </p:cNvPr>
+          <p:cNvSpPr/>
+          <p:nvPr/>
+        </p:nvSpPr>
+        <p:spPr>
+          <a:xfrm>
+            <a:off x="5969233" y="1207959"/>
+            <a:ext cx="1745676" cy="571500"/>
+          </a:xfrm>
+          <a:prstGeom prst="diamond">
+            <a:avLst/>
+          </a:prstGeom>
+          <a:noFill/>
+        </p:spPr>
+        <p:style>
+          <a:lnRef idx="2">
+            <a:schemeClr val="accent1">
+              <a:shade val="50000"/>
+            </a:schemeClr>
+          </a:lnRef>
+          <a:fillRef idx="1">
+            <a:schemeClr val="accent1"/>
+          </a:fillRef>
+          <a:effectRef idx="0">
+            <a:schemeClr val="accent1"/>
+          </a:effectRef>
+          <a:fontRef idx="minor">
+            <a:schemeClr val="lt1"/>
+          </a:fontRef>
+        </p:style>
+        <p:txBody>
+          <a:bodyPr rtlCol="0" anchor="ctr"/>
+          <a:lstStyle/>
+          <a:p>
+            <a:pPr algn="ctr"/>
+            <a:r>
+              <a:rPr lang="en-US" dirty="0">
+                <a:solidFill>
+                  <a:schemeClr val="tx1"/>
+                </a:solidFill>
+              </a:rPr>
+              <a:t>unlike</a:t>
+            </a:r>
+          </a:p>
+        </p:txBody>
+      </p:sp>
+      <p:cxnSp>
+        <p:nvCxnSpPr>
+          <p:cNvPr id="24" name="Straight Arrow Connector 23">
+            <a:extLst>
+              <a:ext uri="{FF2B5EF4-FFF2-40B4-BE49-F238E27FC236}">
+                <a16:creationId xmlns:a16="http://schemas.microsoft.com/office/drawing/2014/main" id="{8D6EC0E6-F75B-4534-847B-4EB17EB53367}"/>
+              </a:ext>
+            </a:extLst>
+          </p:cNvPr>
+          <p:cNvCxnSpPr>
+            <a:cxnSpLocks/>
+            <a:stCxn id="22" idx="2"/>
+          </p:cNvCxnSpPr>
+          <p:nvPr/>
+        </p:nvCxnSpPr>
+        <p:spPr>
+          <a:xfrm flipH="1">
+            <a:off x="6842070" y="1779459"/>
+            <a:ext cx="1" cy="744666"/>
+          </a:xfrm>
+          <a:prstGeom prst="straightConnector1">
+            <a:avLst/>
+          </a:prstGeom>
+          <a:ln>
+            <a:tailEnd type="triangle"/>
+          </a:ln>
+        </p:spPr>
+        <p:style>
+          <a:lnRef idx="1">
+            <a:schemeClr val="dk1"/>
+          </a:lnRef>
+          <a:fillRef idx="0">
+            <a:schemeClr val="dk1"/>
+          </a:fillRef>
+          <a:effectRef idx="0">
+            <a:schemeClr val="dk1"/>
+          </a:effectRef>
+          <a:fontRef idx="minor">
+            <a:schemeClr val="tx1"/>
+          </a:fontRef>
+        </p:style>
+      </p:cxnSp>
+      <p:cxnSp>
+        <p:nvCxnSpPr>
+          <p:cNvPr id="33" name="Connector: Elbow 32">
+            <a:extLst>
+              <a:ext uri="{FF2B5EF4-FFF2-40B4-BE49-F238E27FC236}">
+                <a16:creationId xmlns:a16="http://schemas.microsoft.com/office/drawing/2014/main" id="{B747F817-B038-45B9-8F4C-7A9E4D8D8A80}"/>
+              </a:ext>
+            </a:extLst>
+          </p:cNvPr>
+          <p:cNvCxnSpPr>
+            <a:stCxn id="11" idx="0"/>
+          </p:cNvCxnSpPr>
+          <p:nvPr/>
+        </p:nvCxnSpPr>
+        <p:spPr>
+          <a:xfrm rot="16200000" flipH="1">
+            <a:off x="7390111" y="2922886"/>
+            <a:ext cx="1752283" cy="2326994"/>
+          </a:xfrm>
+          <a:prstGeom prst="bentConnector4">
+            <a:avLst>
+              <a:gd name="adj1" fmla="val -13046"/>
+              <a:gd name="adj2" fmla="val 99574"/>
+            </a:avLst>
+          </a:prstGeom>
+          <a:ln>
+            <a:tailEnd type="triangle"/>
+          </a:ln>
+        </p:spPr>
+        <p:style>
+          <a:lnRef idx="1">
+            <a:schemeClr val="dk1"/>
+          </a:lnRef>
+          <a:fillRef idx="0">
+            <a:schemeClr val="dk1"/>
+          </a:fillRef>
+          <a:effectRef idx="0">
+            <a:schemeClr val="dk1"/>
+          </a:effectRef>
+          <a:fontRef idx="minor">
+            <a:schemeClr val="tx1"/>
+          </a:fontRef>
+        </p:style>
+      </p:cxnSp>
+      <p:sp>
+        <p:nvSpPr>
+          <p:cNvPr id="35" name="TextBox 34">
+            <a:extLst>
+              <a:ext uri="{FF2B5EF4-FFF2-40B4-BE49-F238E27FC236}">
+                <a16:creationId xmlns:a16="http://schemas.microsoft.com/office/drawing/2014/main" id="{370AB2B8-8381-4201-A5E2-96435233AE65}"/>
               </a:ext>
             </a:extLst>
           </p:cNvPr>
@@ -10976,8 +11796,8 @@
         </p:nvSpPr>
         <p:spPr>
           <a:xfrm>
-            <a:off x="3571875" y="942975"/>
-            <a:ext cx="7286625" cy="5619750"/>
+            <a:off x="3743325" y="2524125"/>
+            <a:ext cx="7286625" cy="4333875"/>
           </a:xfrm>
           <a:prstGeom prst="rect">
             <a:avLst/>
@@ -10999,194 +11819,47 @@
           </a:p>
         </p:txBody>
       </p:sp>
-      <p:sp>
-        <p:nvSpPr>
-          <p:cNvPr id="21" name="Rectangle 20">
-            <a:extLst>
-              <a:ext uri="{FF2B5EF4-FFF2-40B4-BE49-F238E27FC236}">
-                <a16:creationId xmlns:a16="http://schemas.microsoft.com/office/drawing/2014/main" id="{1F7BB5E4-D39A-4A2A-9E60-72DB55A15915}"/>
-              </a:ext>
-            </a:extLst>
-          </p:cNvPr>
-          <p:cNvSpPr/>
-          <p:nvPr/>
-        </p:nvSpPr>
-        <p:spPr>
-          <a:xfrm>
-            <a:off x="1231085" y="4642454"/>
-            <a:ext cx="1257300" cy="657225"/>
-          </a:xfrm>
-          <a:prstGeom prst="rect">
-            <a:avLst/>
-          </a:prstGeom>
-          <a:solidFill>
-            <a:schemeClr val="bg1"/>
-          </a:solidFill>
-        </p:spPr>
-        <p:style>
-          <a:lnRef idx="2">
-            <a:schemeClr val="accent1">
-              <a:shade val="50000"/>
-            </a:schemeClr>
-          </a:lnRef>
-          <a:fillRef idx="1">
-            <a:schemeClr val="accent1"/>
-          </a:fillRef>
-          <a:effectRef idx="0">
-            <a:schemeClr val="accent1"/>
-          </a:effectRef>
-          <a:fontRef idx="minor">
-            <a:schemeClr val="lt1"/>
-          </a:fontRef>
-        </p:style>
-        <p:txBody>
-          <a:bodyPr rtlCol="0" anchor="ctr"/>
-          <a:lstStyle/>
-          <a:p>
-            <a:pPr algn="ctr"/>
-            <a:r>
-              <a:rPr lang="en-US" dirty="0">
-                <a:solidFill>
-                  <a:schemeClr val="tx1"/>
-                </a:solidFill>
-              </a:rPr>
-              <a:t>user</a:t>
-            </a:r>
-          </a:p>
-        </p:txBody>
-      </p:sp>
-      <p:sp>
-        <p:nvSpPr>
-          <p:cNvPr id="22" name="Diamond 21">
-            <a:extLst>
-              <a:ext uri="{FF2B5EF4-FFF2-40B4-BE49-F238E27FC236}">
-                <a16:creationId xmlns:a16="http://schemas.microsoft.com/office/drawing/2014/main" id="{5B3AA504-E738-4C6B-8964-DD871D14147B}"/>
-              </a:ext>
-            </a:extLst>
-          </p:cNvPr>
-          <p:cNvSpPr/>
-          <p:nvPr/>
-        </p:nvSpPr>
-        <p:spPr>
-          <a:xfrm>
-            <a:off x="990360" y="3213105"/>
-            <a:ext cx="1745676" cy="571500"/>
-          </a:xfrm>
-          <a:prstGeom prst="diamond">
-            <a:avLst/>
-          </a:prstGeom>
-          <a:noFill/>
-        </p:spPr>
-        <p:style>
-          <a:lnRef idx="2">
-            <a:schemeClr val="accent1">
-              <a:shade val="50000"/>
-            </a:schemeClr>
-          </a:lnRef>
-          <a:fillRef idx="1">
-            <a:schemeClr val="accent1"/>
-          </a:fillRef>
-          <a:effectRef idx="0">
-            <a:schemeClr val="accent1"/>
-          </a:effectRef>
-          <a:fontRef idx="minor">
-            <a:schemeClr val="lt1"/>
-          </a:fontRef>
-        </p:style>
-        <p:txBody>
-          <a:bodyPr rtlCol="0" anchor="ctr"/>
-          <a:lstStyle/>
-          <a:p>
-            <a:pPr algn="ctr"/>
-            <a:r>
-              <a:rPr lang="en-US" dirty="0">
-                <a:solidFill>
-                  <a:schemeClr val="tx1"/>
-                </a:solidFill>
-              </a:rPr>
-              <a:t>unlike</a:t>
-            </a:r>
-          </a:p>
-        </p:txBody>
-      </p:sp>
       <p:cxnSp>
         <p:nvCxnSpPr>
-          <p:cNvPr id="23" name="Straight Arrow Connector 22">
-            <a:extLst>
-              <a:ext uri="{FF2B5EF4-FFF2-40B4-BE49-F238E27FC236}">
-                <a16:creationId xmlns:a16="http://schemas.microsoft.com/office/drawing/2014/main" id="{1D82182B-1F82-47A6-9C30-601880BC4D97}"/>
+          <p:cNvPr id="45" name="Connector: Elbow 44">
+            <a:extLst>
+              <a:ext uri="{FF2B5EF4-FFF2-40B4-BE49-F238E27FC236}">
+                <a16:creationId xmlns:a16="http://schemas.microsoft.com/office/drawing/2014/main" id="{4F6DB275-CD43-4B96-A2AF-5D9B91D92D60}"/>
               </a:ext>
             </a:extLst>
           </p:cNvPr>
           <p:cNvCxnSpPr>
             <a:cxnSpLocks/>
-            <a:endCxn id="21" idx="0"/>
+            <a:stCxn id="22" idx="0"/>
           </p:cNvCxnSpPr>
           <p:nvPr/>
         </p:nvCxnSpPr>
         <p:spPr>
-          <a:xfrm flipH="1">
-            <a:off x="1859735" y="3760785"/>
-            <a:ext cx="25114" cy="881669"/>
-          </a:xfrm>
-          <a:prstGeom prst="straightConnector1">
-            <a:avLst/>
+          <a:xfrm rot="16200000" flipH="1">
+            <a:off x="6173392" y="1876637"/>
+            <a:ext cx="3798509" cy="2461152"/>
+          </a:xfrm>
+          <a:prstGeom prst="bentConnector3">
+            <a:avLst>
+              <a:gd name="adj1" fmla="val -6018"/>
+            </a:avLst>
           </a:prstGeom>
           <a:ln>
+            <a:solidFill>
+              <a:schemeClr val="tx1"/>
+            </a:solidFill>
             <a:tailEnd type="triangle"/>
           </a:ln>
         </p:spPr>
         <p:style>
           <a:lnRef idx="1">
-            <a:schemeClr val="dk1"/>
+            <a:schemeClr val="accent1"/>
           </a:lnRef>
           <a:fillRef idx="0">
-            <a:schemeClr val="dk1"/>
-          </a:fillRef>
-          <a:effectRef idx="0">
-            <a:schemeClr val="dk1"/>
-          </a:effectRef>
-          <a:fontRef idx="minor">
-            <a:schemeClr val="tx1"/>
-          </a:fontRef>
-        </p:style>
-      </p:cxnSp>
-      <p:cxnSp>
-        <p:nvCxnSpPr>
-          <p:cNvPr id="24" name="Straight Arrow Connector 23">
-            <a:extLst>
-              <a:ext uri="{FF2B5EF4-FFF2-40B4-BE49-F238E27FC236}">
-                <a16:creationId xmlns:a16="http://schemas.microsoft.com/office/drawing/2014/main" id="{8D6EC0E6-F75B-4534-847B-4EB17EB53367}"/>
-              </a:ext>
-            </a:extLst>
-          </p:cNvPr>
-          <p:cNvCxnSpPr>
-            <a:cxnSpLocks/>
-            <a:stCxn id="22" idx="3"/>
-          </p:cNvCxnSpPr>
-          <p:nvPr/>
-        </p:nvCxnSpPr>
-        <p:spPr>
-          <a:xfrm>
-            <a:off x="2736036" y="3498855"/>
-            <a:ext cx="835839" cy="0"/>
-          </a:xfrm>
-          <a:prstGeom prst="straightConnector1">
-            <a:avLst/>
-          </a:prstGeom>
-          <a:ln>
-            <a:tailEnd type="triangle"/>
-          </a:ln>
-        </p:spPr>
-        <p:style>
-          <a:lnRef idx="1">
-            <a:schemeClr val="dk1"/>
-          </a:lnRef>
-          <a:fillRef idx="0">
-            <a:schemeClr val="dk1"/>
-          </a:fillRef>
-          <a:effectRef idx="0">
-            <a:schemeClr val="dk1"/>
+            <a:schemeClr val="accent1"/>
+          </a:fillRef>
+          <a:effectRef idx="0">
+            <a:schemeClr val="accent1"/>
           </a:effectRef>
           <a:fontRef idx="minor">
             <a:schemeClr val="tx1"/>
